--- a/스마트팩토리혁신을 위한 AI 솔루션 개발자 양성과정 1st personal.pptx
+++ b/스마트팩토리혁신을 위한 AI 솔루션 개발자 양성과정 1st personal.pptx
@@ -307,7 +307,7 @@
           <a:p>
             <a:fld id="{5D013C0F-B205-4F05-B064-BBAB96810E93}" type="datetimeFigureOut">
               <a:rPr lang="ko-KR" altLang="en-US" smtClean="0"/>
-              <a:t>2025-01-21</a:t>
+              <a:t>2025-01-22</a:t>
             </a:fld>
             <a:endParaRPr lang="ko-KR" altLang="en-US"/>
           </a:p>
@@ -505,7 +505,7 @@
           <a:p>
             <a:fld id="{5D013C0F-B205-4F05-B064-BBAB96810E93}" type="datetimeFigureOut">
               <a:rPr lang="ko-KR" altLang="en-US" smtClean="0"/>
-              <a:t>2025-01-21</a:t>
+              <a:t>2025-01-22</a:t>
             </a:fld>
             <a:endParaRPr lang="ko-KR" altLang="en-US"/>
           </a:p>
@@ -713,7 +713,7 @@
           <a:p>
             <a:fld id="{5D013C0F-B205-4F05-B064-BBAB96810E93}" type="datetimeFigureOut">
               <a:rPr lang="ko-KR" altLang="en-US" smtClean="0"/>
-              <a:t>2025-01-21</a:t>
+              <a:t>2025-01-22</a:t>
             </a:fld>
             <a:endParaRPr lang="ko-KR" altLang="en-US"/>
           </a:p>
@@ -911,7 +911,7 @@
           <a:p>
             <a:fld id="{5D013C0F-B205-4F05-B064-BBAB96810E93}" type="datetimeFigureOut">
               <a:rPr lang="ko-KR" altLang="en-US" smtClean="0"/>
-              <a:t>2025-01-21</a:t>
+              <a:t>2025-01-22</a:t>
             </a:fld>
             <a:endParaRPr lang="ko-KR" altLang="en-US"/>
           </a:p>
@@ -1186,7 +1186,7 @@
           <a:p>
             <a:fld id="{5D013C0F-B205-4F05-B064-BBAB96810E93}" type="datetimeFigureOut">
               <a:rPr lang="ko-KR" altLang="en-US" smtClean="0"/>
-              <a:t>2025-01-21</a:t>
+              <a:t>2025-01-22</a:t>
             </a:fld>
             <a:endParaRPr lang="ko-KR" altLang="en-US"/>
           </a:p>
@@ -1451,7 +1451,7 @@
           <a:p>
             <a:fld id="{5D013C0F-B205-4F05-B064-BBAB96810E93}" type="datetimeFigureOut">
               <a:rPr lang="ko-KR" altLang="en-US" smtClean="0"/>
-              <a:t>2025-01-21</a:t>
+              <a:t>2025-01-22</a:t>
             </a:fld>
             <a:endParaRPr lang="ko-KR" altLang="en-US"/>
           </a:p>
@@ -1863,7 +1863,7 @@
           <a:p>
             <a:fld id="{5D013C0F-B205-4F05-B064-BBAB96810E93}" type="datetimeFigureOut">
               <a:rPr lang="ko-KR" altLang="en-US" smtClean="0"/>
-              <a:t>2025-01-21</a:t>
+              <a:t>2025-01-22</a:t>
             </a:fld>
             <a:endParaRPr lang="ko-KR" altLang="en-US"/>
           </a:p>
@@ -2004,7 +2004,7 @@
           <a:p>
             <a:fld id="{5D013C0F-B205-4F05-B064-BBAB96810E93}" type="datetimeFigureOut">
               <a:rPr lang="ko-KR" altLang="en-US" smtClean="0"/>
-              <a:t>2025-01-21</a:t>
+              <a:t>2025-01-22</a:t>
             </a:fld>
             <a:endParaRPr lang="ko-KR" altLang="en-US"/>
           </a:p>
@@ -2117,7 +2117,7 @@
           <a:p>
             <a:fld id="{5D013C0F-B205-4F05-B064-BBAB96810E93}" type="datetimeFigureOut">
               <a:rPr lang="ko-KR" altLang="en-US" smtClean="0"/>
-              <a:t>2025-01-21</a:t>
+              <a:t>2025-01-22</a:t>
             </a:fld>
             <a:endParaRPr lang="ko-KR" altLang="en-US"/>
           </a:p>
@@ -2428,7 +2428,7 @@
           <a:p>
             <a:fld id="{5D013C0F-B205-4F05-B064-BBAB96810E93}" type="datetimeFigureOut">
               <a:rPr lang="ko-KR" altLang="en-US" smtClean="0"/>
-              <a:t>2025-01-21</a:t>
+              <a:t>2025-01-22</a:t>
             </a:fld>
             <a:endParaRPr lang="ko-KR" altLang="en-US"/>
           </a:p>
@@ -2716,7 +2716,7 @@
           <a:p>
             <a:fld id="{5D013C0F-B205-4F05-B064-BBAB96810E93}" type="datetimeFigureOut">
               <a:rPr lang="ko-KR" altLang="en-US" smtClean="0"/>
-              <a:t>2025-01-21</a:t>
+              <a:t>2025-01-22</a:t>
             </a:fld>
             <a:endParaRPr lang="ko-KR" altLang="en-US"/>
           </a:p>
@@ -2960,7 +2960,7 @@
           <a:p>
             <a:fld id="{5D013C0F-B205-4F05-B064-BBAB96810E93}" type="datetimeFigureOut">
               <a:rPr lang="ko-KR" altLang="en-US" smtClean="0"/>
-              <a:t>2025-01-21</a:t>
+              <a:t>2025-01-22</a:t>
             </a:fld>
             <a:endParaRPr lang="ko-KR" altLang="en-US"/>
           </a:p>
@@ -16551,7 +16551,7 @@
         </p:nvSpPr>
         <p:spPr>
           <a:xfrm>
-            <a:off x="1081838" y="2099455"/>
+            <a:off x="1416000" y="1989000"/>
             <a:ext cx="9360000" cy="2880000"/>
           </a:xfrm>
           <a:prstGeom prst="rect">
@@ -16567,23 +16567,12 @@
           <a:p>
             <a:pPr algn="ctr"/>
             <a:r>
-              <a:rPr lang="ko-KR" altLang="en-US" sz="5400" dirty="0" err="1">
+              <a:rPr lang="ko-KR" altLang="en-US" sz="5400" dirty="0">
                 <a:latin typeface="나눔스퀘어_ac Bold" panose="020B0600000101010101" pitchFamily="50" charset="-127"/>
                 <a:ea typeface="나눔스퀘어_ac Bold" panose="020B0600000101010101" pitchFamily="50" charset="-127"/>
               </a:rPr>
-              <a:t>아리가또</a:t>
-            </a:r>
-            <a:r>
-              <a:rPr lang="en-US" altLang="ko-KR" sz="5400" dirty="0">
-                <a:latin typeface="나눔스퀘어_ac Bold" panose="020B0600000101010101" pitchFamily="50" charset="-127"/>
-                <a:ea typeface="나눔스퀘어_ac Bold" panose="020B0600000101010101" pitchFamily="50" charset="-127"/>
-              </a:rPr>
-              <a:t>~</a:t>
-            </a:r>
-            <a:endParaRPr lang="ko-KR" altLang="en-US" sz="5400" dirty="0">
-              <a:latin typeface="나눔스퀘어_ac Bold" panose="020B0600000101010101" pitchFamily="50" charset="-127"/>
-              <a:ea typeface="나눔스퀘어_ac Bold" panose="020B0600000101010101" pitchFamily="50" charset="-127"/>
-            </a:endParaRPr>
+              <a:t>감사합니다</a:t>
+            </a:r>
           </a:p>
         </p:txBody>
       </p:sp>
@@ -19068,6 +19057,36 @@
           <a:chExt cx="0" cy="0"/>
         </a:xfrm>
       </p:grpSpPr>
+      <p:pic>
+        <p:nvPicPr>
+          <p:cNvPr id="6" name="그림 5">
+            <a:extLst>
+              <a:ext uri="{FF2B5EF4-FFF2-40B4-BE49-F238E27FC236}">
+                <a16:creationId xmlns:a16="http://schemas.microsoft.com/office/drawing/2014/main" id="{AEE965B9-526D-422E-A7E9-945C985B2F6A}"/>
+              </a:ext>
+            </a:extLst>
+          </p:cNvPr>
+          <p:cNvPicPr>
+            <a:picLocks noChangeAspect="1"/>
+          </p:cNvPicPr>
+          <p:nvPr/>
+        </p:nvPicPr>
+        <p:blipFill>
+          <a:blip r:embed="rId2"/>
+          <a:stretch>
+            <a:fillRect/>
+          </a:stretch>
+        </p:blipFill>
+        <p:spPr>
+          <a:xfrm>
+            <a:off x="2326437" y="1378795"/>
+            <a:ext cx="2361600" cy="2361600"/>
+          </a:xfrm>
+          <a:prstGeom prst="rect">
+            <a:avLst/>
+          </a:prstGeom>
+        </p:spPr>
+      </p:pic>
       <p:sp>
         <p:nvSpPr>
           <p:cNvPr id="14" name="TextBox 13">
@@ -19461,36 +19480,6 @@
           </p:txBody>
         </p:sp>
       </p:grpSp>
-      <p:pic>
-        <p:nvPicPr>
-          <p:cNvPr id="4" name="그림 3">
-            <a:extLst>
-              <a:ext uri="{FF2B5EF4-FFF2-40B4-BE49-F238E27FC236}">
-                <a16:creationId xmlns:a16="http://schemas.microsoft.com/office/drawing/2014/main" id="{748B50A6-1D5A-4C33-92E1-A688F1870F32}"/>
-              </a:ext>
-            </a:extLst>
-          </p:cNvPr>
-          <p:cNvPicPr>
-            <a:picLocks noChangeAspect="1"/>
-          </p:cNvPicPr>
-          <p:nvPr/>
-        </p:nvPicPr>
-        <p:blipFill>
-          <a:blip r:embed="rId2"/>
-          <a:stretch>
-            <a:fillRect/>
-          </a:stretch>
-        </p:blipFill>
-        <p:spPr>
-          <a:xfrm>
-            <a:off x="2326914" y="1379751"/>
-            <a:ext cx="2360645" cy="2360645"/>
-          </a:xfrm>
-          <a:prstGeom prst="rect">
-            <a:avLst/>
-          </a:prstGeom>
-        </p:spPr>
-      </p:pic>
       <p:pic>
         <p:nvPicPr>
           <p:cNvPr id="7" name="그림 6">

--- a/스마트팩토리혁신을 위한 AI 솔루션 개발자 양성과정 1st personal.pptx
+++ b/스마트팩토리혁신을 위한 AI 솔루션 개발자 양성과정 1st personal.pptx
@@ -35,26 +35,29 @@
     <p:sldId id="290" r:id="rId29"/>
     <p:sldId id="291" r:id="rId30"/>
     <p:sldId id="292" r:id="rId31"/>
-    <p:sldId id="294" r:id="rId32"/>
-    <p:sldId id="296" r:id="rId33"/>
-    <p:sldId id="297" r:id="rId34"/>
-    <p:sldId id="298" r:id="rId35"/>
+    <p:sldId id="300" r:id="rId32"/>
+    <p:sldId id="299" r:id="rId33"/>
+    <p:sldId id="301" r:id="rId34"/>
+    <p:sldId id="294" r:id="rId35"/>
+    <p:sldId id="296" r:id="rId36"/>
+    <p:sldId id="297" r:id="rId37"/>
+    <p:sldId id="298" r:id="rId38"/>
   </p:sldIdLst>
   <p:sldSz cx="12192000" cy="6858000"/>
   <p:notesSz cx="6858000" cy="9144000"/>
   <p:embeddedFontLst>
     <p:embeddedFont>
       <p:font typeface="나눔스퀘어_ac" panose="020B0600000101010101" pitchFamily="50" charset="-127"/>
-      <p:regular r:id="rId36"/>
+      <p:regular r:id="rId39"/>
     </p:embeddedFont>
     <p:embeddedFont>
       <p:font typeface="나눔스퀘어_ac Bold" panose="020B0600000101010101" pitchFamily="50" charset="-127"/>
-      <p:bold r:id="rId37"/>
+      <p:bold r:id="rId40"/>
     </p:embeddedFont>
     <p:embeddedFont>
       <p:font typeface="맑은 고딕" panose="020B0503020000020004" pitchFamily="50" charset="-127"/>
-      <p:regular r:id="rId38"/>
-      <p:bold r:id="rId39"/>
+      <p:regular r:id="rId41"/>
+      <p:bold r:id="rId42"/>
     </p:embeddedFont>
   </p:embeddedFontLst>
   <p:defaultTextStyle>
@@ -307,7 +310,7 @@
           <a:p>
             <a:fld id="{5D013C0F-B205-4F05-B064-BBAB96810E93}" type="datetimeFigureOut">
               <a:rPr lang="ko-KR" altLang="en-US" smtClean="0"/>
-              <a:t>2025-01-22</a:t>
+              <a:t>2025-01-24</a:t>
             </a:fld>
             <a:endParaRPr lang="ko-KR" altLang="en-US"/>
           </a:p>
@@ -505,7 +508,7 @@
           <a:p>
             <a:fld id="{5D013C0F-B205-4F05-B064-BBAB96810E93}" type="datetimeFigureOut">
               <a:rPr lang="ko-KR" altLang="en-US" smtClean="0"/>
-              <a:t>2025-01-22</a:t>
+              <a:t>2025-01-24</a:t>
             </a:fld>
             <a:endParaRPr lang="ko-KR" altLang="en-US"/>
           </a:p>
@@ -713,7 +716,7 @@
           <a:p>
             <a:fld id="{5D013C0F-B205-4F05-B064-BBAB96810E93}" type="datetimeFigureOut">
               <a:rPr lang="ko-KR" altLang="en-US" smtClean="0"/>
-              <a:t>2025-01-22</a:t>
+              <a:t>2025-01-24</a:t>
             </a:fld>
             <a:endParaRPr lang="ko-KR" altLang="en-US"/>
           </a:p>
@@ -911,7 +914,7 @@
           <a:p>
             <a:fld id="{5D013C0F-B205-4F05-B064-BBAB96810E93}" type="datetimeFigureOut">
               <a:rPr lang="ko-KR" altLang="en-US" smtClean="0"/>
-              <a:t>2025-01-22</a:t>
+              <a:t>2025-01-24</a:t>
             </a:fld>
             <a:endParaRPr lang="ko-KR" altLang="en-US"/>
           </a:p>
@@ -1186,7 +1189,7 @@
           <a:p>
             <a:fld id="{5D013C0F-B205-4F05-B064-BBAB96810E93}" type="datetimeFigureOut">
               <a:rPr lang="ko-KR" altLang="en-US" smtClean="0"/>
-              <a:t>2025-01-22</a:t>
+              <a:t>2025-01-24</a:t>
             </a:fld>
             <a:endParaRPr lang="ko-KR" altLang="en-US"/>
           </a:p>
@@ -1451,7 +1454,7 @@
           <a:p>
             <a:fld id="{5D013C0F-B205-4F05-B064-BBAB96810E93}" type="datetimeFigureOut">
               <a:rPr lang="ko-KR" altLang="en-US" smtClean="0"/>
-              <a:t>2025-01-22</a:t>
+              <a:t>2025-01-24</a:t>
             </a:fld>
             <a:endParaRPr lang="ko-KR" altLang="en-US"/>
           </a:p>
@@ -1863,7 +1866,7 @@
           <a:p>
             <a:fld id="{5D013C0F-B205-4F05-B064-BBAB96810E93}" type="datetimeFigureOut">
               <a:rPr lang="ko-KR" altLang="en-US" smtClean="0"/>
-              <a:t>2025-01-22</a:t>
+              <a:t>2025-01-24</a:t>
             </a:fld>
             <a:endParaRPr lang="ko-KR" altLang="en-US"/>
           </a:p>
@@ -2004,7 +2007,7 @@
           <a:p>
             <a:fld id="{5D013C0F-B205-4F05-B064-BBAB96810E93}" type="datetimeFigureOut">
               <a:rPr lang="ko-KR" altLang="en-US" smtClean="0"/>
-              <a:t>2025-01-22</a:t>
+              <a:t>2025-01-24</a:t>
             </a:fld>
             <a:endParaRPr lang="ko-KR" altLang="en-US"/>
           </a:p>
@@ -2117,7 +2120,7 @@
           <a:p>
             <a:fld id="{5D013C0F-B205-4F05-B064-BBAB96810E93}" type="datetimeFigureOut">
               <a:rPr lang="ko-KR" altLang="en-US" smtClean="0"/>
-              <a:t>2025-01-22</a:t>
+              <a:t>2025-01-24</a:t>
             </a:fld>
             <a:endParaRPr lang="ko-KR" altLang="en-US"/>
           </a:p>
@@ -2428,7 +2431,7 @@
           <a:p>
             <a:fld id="{5D013C0F-B205-4F05-B064-BBAB96810E93}" type="datetimeFigureOut">
               <a:rPr lang="ko-KR" altLang="en-US" smtClean="0"/>
-              <a:t>2025-01-22</a:t>
+              <a:t>2025-01-24</a:t>
             </a:fld>
             <a:endParaRPr lang="ko-KR" altLang="en-US"/>
           </a:p>
@@ -2716,7 +2719,7 @@
           <a:p>
             <a:fld id="{5D013C0F-B205-4F05-B064-BBAB96810E93}" type="datetimeFigureOut">
               <a:rPr lang="ko-KR" altLang="en-US" smtClean="0"/>
-              <a:t>2025-01-22</a:t>
+              <a:t>2025-01-24</a:t>
             </a:fld>
             <a:endParaRPr lang="ko-KR" altLang="en-US"/>
           </a:p>
@@ -2960,7 +2963,7 @@
           <a:p>
             <a:fld id="{5D013C0F-B205-4F05-B064-BBAB96810E93}" type="datetimeFigureOut">
               <a:rPr lang="ko-KR" altLang="en-US" smtClean="0"/>
-              <a:t>2025-01-22</a:t>
+              <a:t>2025-01-24</a:t>
             </a:fld>
             <a:endParaRPr lang="ko-KR" altLang="en-US"/>
           </a:p>
@@ -15190,7 +15193,7 @@
                 <a:latin typeface="나눔스퀘어_ac Bold" panose="020B0600000101010101" pitchFamily="50" charset="-127"/>
                 <a:ea typeface="나눔스퀘어_ac Bold" panose="020B0600000101010101" pitchFamily="50" charset="-127"/>
               </a:rPr>
-              <a:t>정리</a:t>
+              <a:t>마무리</a:t>
             </a:r>
           </a:p>
         </p:txBody>
@@ -15228,7 +15231,7 @@
                 <a:latin typeface="나눔스퀘어_ac" panose="020B0600000101010101" pitchFamily="50" charset="-127"/>
                 <a:ea typeface="나눔스퀘어_ac" panose="020B0600000101010101" pitchFamily="50" charset="-127"/>
               </a:rPr>
-              <a:t>개발환경</a:t>
+              <a:t>웹 구현</a:t>
             </a:r>
             <a:endParaRPr lang="ko-KR" altLang="en-US" dirty="0"/>
           </a:p>
@@ -15236,63 +15239,61 @@
       </p:sp>
       <p:sp>
         <p:nvSpPr>
-          <p:cNvPr id="5" name="직사각형 4">
-            <a:extLst>
-              <a:ext uri="{FF2B5EF4-FFF2-40B4-BE49-F238E27FC236}">
-                <a16:creationId xmlns:a16="http://schemas.microsoft.com/office/drawing/2014/main" id="{6B73A9FF-8FDB-4699-91FA-F68BD8FA4A73}"/>
-              </a:ext>
-            </a:extLst>
-          </p:cNvPr>
-          <p:cNvSpPr/>
+          <p:cNvPr id="21" name="TextBox 20">
+            <a:extLst>
+              <a:ext uri="{FF2B5EF4-FFF2-40B4-BE49-F238E27FC236}">
+                <a16:creationId xmlns:a16="http://schemas.microsoft.com/office/drawing/2014/main" id="{21BF7E19-177F-44A1-A28A-26F9163CBFCE}"/>
+              </a:ext>
+            </a:extLst>
+          </p:cNvPr>
+          <p:cNvSpPr txBox="1"/>
           <p:nvPr/>
         </p:nvSpPr>
         <p:spPr>
           <a:xfrm>
-            <a:off x="1115970" y="1636263"/>
-            <a:ext cx="1532564" cy="380399"/>
+            <a:off x="4515275" y="4868848"/>
+            <a:ext cx="723953" cy="360130"/>
           </a:xfrm>
           <a:prstGeom prst="rect">
             <a:avLst/>
           </a:prstGeom>
-        </p:spPr>
-        <p:style>
-          <a:lnRef idx="2">
-            <a:schemeClr val="accent1">
-              <a:shade val="50000"/>
-            </a:schemeClr>
-          </a:lnRef>
-          <a:fillRef idx="1">
-            <a:schemeClr val="accent1"/>
-          </a:fillRef>
-          <a:effectRef idx="0">
-            <a:schemeClr val="accent1"/>
-          </a:effectRef>
-          <a:fontRef idx="minor">
-            <a:schemeClr val="lt1"/>
-          </a:fontRef>
-        </p:style>
+          <a:noFill/>
+          <a:extLst>
+            <a:ext uri="{909E8E84-426E-40DD-AFC4-6F175D3DCCD1}">
+              <a14:hiddenFill xmlns:a14="http://schemas.microsoft.com/office/drawing/2010/main">
+                <a:solidFill>
+                  <a:srgbClr val="FFFFFF"/>
+                </a:solidFill>
+              </a14:hiddenFill>
+            </a:ext>
+          </a:extLst>
+        </p:spPr>
         <p:txBody>
-          <a:bodyPr rtlCol="0" anchor="ctr"/>
+          <a:bodyPr wrap="none" rtlCol="0" anchor="t">
+            <a:noAutofit/>
+          </a:bodyPr>
           <a:lstStyle/>
           <a:p>
-            <a:pPr algn="ctr"/>
-            <a:r>
-              <a:rPr lang="en-US" altLang="ko-KR" dirty="0">
+            <a:r>
+              <a:rPr lang="ko-KR" altLang="en-US" dirty="0">
                 <a:latin typeface="나눔스퀘어_ac" panose="020B0600000101010101" pitchFamily="50" charset="-127"/>
                 <a:ea typeface="나눔스퀘어_ac" panose="020B0600000101010101" pitchFamily="50" charset="-127"/>
               </a:rPr>
-              <a:t>OS</a:t>
-            </a:r>
-            <a:endParaRPr lang="ko-KR" altLang="en-US" dirty="0"/>
+              <a:t>매매가</a:t>
+            </a:r>
+            <a:endParaRPr lang="en-US" altLang="ko-KR" dirty="0">
+              <a:latin typeface="나눔스퀘어_ac" panose="020B0600000101010101" pitchFamily="50" charset="-127"/>
+              <a:ea typeface="나눔스퀘어_ac" panose="020B0600000101010101" pitchFamily="50" charset="-127"/>
+            </a:endParaRPr>
           </a:p>
         </p:txBody>
       </p:sp>
       <p:sp>
         <p:nvSpPr>
-          <p:cNvPr id="8" name="TextBox 7">
-            <a:extLst>
-              <a:ext uri="{FF2B5EF4-FFF2-40B4-BE49-F238E27FC236}">
-                <a16:creationId xmlns:a16="http://schemas.microsoft.com/office/drawing/2014/main" id="{5CBEF3C3-01A5-42E3-ACB9-D0B348BAC7C2}"/>
+          <p:cNvPr id="22" name="TextBox 21">
+            <a:extLst>
+              <a:ext uri="{FF2B5EF4-FFF2-40B4-BE49-F238E27FC236}">
+                <a16:creationId xmlns:a16="http://schemas.microsoft.com/office/drawing/2014/main" id="{ACD8DD59-07A2-481D-8227-CCDA4F241113}"/>
               </a:ext>
             </a:extLst>
           </p:cNvPr>
@@ -15301,590 +15302,80 @@
         </p:nvSpPr>
         <p:spPr>
           <a:xfrm>
-            <a:off x="2866921" y="1636263"/>
-            <a:ext cx="1717407" cy="369332"/>
+            <a:off x="6543855" y="4868848"/>
+            <a:ext cx="1214146" cy="360130"/>
           </a:xfrm>
           <a:prstGeom prst="rect">
             <a:avLst/>
           </a:prstGeom>
           <a:noFill/>
+          <a:extLst>
+            <a:ext uri="{909E8E84-426E-40DD-AFC4-6F175D3DCCD1}">
+              <a14:hiddenFill xmlns:a14="http://schemas.microsoft.com/office/drawing/2010/main">
+                <a:solidFill>
+                  <a:srgbClr val="FFFFFF"/>
+                </a:solidFill>
+              </a14:hiddenFill>
+            </a:ext>
+          </a:extLst>
         </p:spPr>
         <p:txBody>
-          <a:bodyPr wrap="none">
+          <a:bodyPr wrap="none" rtlCol="0" anchor="t">
             <a:noAutofit/>
           </a:bodyPr>
           <a:lstStyle/>
           <a:p>
             <a:r>
+              <a:rPr lang="ko-KR" altLang="en-US" dirty="0">
+                <a:latin typeface="나눔스퀘어_ac" panose="020B0600000101010101" pitchFamily="50" charset="-127"/>
+                <a:ea typeface="나눔스퀘어_ac" panose="020B0600000101010101" pitchFamily="50" charset="-127"/>
+              </a:rPr>
+              <a:t>음악 추천 </a:t>
+            </a:r>
+            <a:r>
               <a:rPr lang="en-US" altLang="ko-KR" dirty="0">
                 <a:latin typeface="나눔스퀘어_ac" panose="020B0600000101010101" pitchFamily="50" charset="-127"/>
                 <a:ea typeface="나눔스퀘어_ac" panose="020B0600000101010101" pitchFamily="50" charset="-127"/>
               </a:rPr>
-              <a:t>Windows 10</a:t>
-            </a:r>
-            <a:endParaRPr lang="ko-KR" altLang="en-US" dirty="0"/>
+              <a:t>AI</a:t>
+            </a:r>
           </a:p>
         </p:txBody>
       </p:sp>
-      <p:sp>
-        <p:nvSpPr>
-          <p:cNvPr id="9" name="직사각형 8">
-            <a:extLst>
-              <a:ext uri="{FF2B5EF4-FFF2-40B4-BE49-F238E27FC236}">
-                <a16:creationId xmlns:a16="http://schemas.microsoft.com/office/drawing/2014/main" id="{92EE76EE-6AA8-4375-A3E1-0BFCE657BF4A}"/>
-              </a:ext>
-            </a:extLst>
-          </p:cNvPr>
-          <p:cNvSpPr/>
-          <p:nvPr/>
-        </p:nvSpPr>
-        <p:spPr>
-          <a:xfrm>
-            <a:off x="1115970" y="2224301"/>
-            <a:ext cx="1532564" cy="380399"/>
+      <p:pic>
+        <p:nvPicPr>
+          <p:cNvPr id="6" name="그림 5">
+            <a:extLst>
+              <a:ext uri="{FF2B5EF4-FFF2-40B4-BE49-F238E27FC236}">
+                <a16:creationId xmlns:a16="http://schemas.microsoft.com/office/drawing/2014/main" id="{5F2E558B-3C6D-4D46-9F4A-1FDD56FA8D73}"/>
+              </a:ext>
+            </a:extLst>
+          </p:cNvPr>
+          <p:cNvPicPr>
+            <a:picLocks noChangeAspect="1"/>
+          </p:cNvPicPr>
+          <p:nvPr/>
+        </p:nvPicPr>
+        <p:blipFill>
+          <a:blip r:embed="rId2"/>
+          <a:stretch>
+            <a:fillRect/>
+          </a:stretch>
+        </p:blipFill>
+        <p:spPr>
+          <a:xfrm>
+            <a:off x="1266151" y="1961945"/>
+            <a:ext cx="9659698" cy="2934109"/>
           </a:xfrm>
           <a:prstGeom prst="rect">
             <a:avLst/>
           </a:prstGeom>
         </p:spPr>
-        <p:style>
-          <a:lnRef idx="2">
-            <a:schemeClr val="accent1">
-              <a:shade val="50000"/>
-            </a:schemeClr>
-          </a:lnRef>
-          <a:fillRef idx="1">
-            <a:schemeClr val="accent1"/>
-          </a:fillRef>
-          <a:effectRef idx="0">
-            <a:schemeClr val="accent1"/>
-          </a:effectRef>
-          <a:fontRef idx="minor">
-            <a:schemeClr val="lt1"/>
-          </a:fontRef>
-        </p:style>
-        <p:txBody>
-          <a:bodyPr rtlCol="0" anchor="ctr"/>
-          <a:lstStyle/>
-          <a:p>
-            <a:pPr algn="ctr"/>
-            <a:r>
-              <a:rPr lang="en-US" altLang="ko-KR" dirty="0">
-                <a:latin typeface="나눔스퀘어_ac" panose="020B0600000101010101" pitchFamily="50" charset="-127"/>
-                <a:ea typeface="나눔스퀘어_ac" panose="020B0600000101010101" pitchFamily="50" charset="-127"/>
-              </a:rPr>
-              <a:t>Language</a:t>
-            </a:r>
-            <a:endParaRPr lang="ko-KR" altLang="en-US" dirty="0"/>
-          </a:p>
-        </p:txBody>
-      </p:sp>
-      <p:sp>
-        <p:nvSpPr>
-          <p:cNvPr id="10" name="TextBox 9">
-            <a:extLst>
-              <a:ext uri="{FF2B5EF4-FFF2-40B4-BE49-F238E27FC236}">
-                <a16:creationId xmlns:a16="http://schemas.microsoft.com/office/drawing/2014/main" id="{6FFC594B-2CEE-48C9-A673-621A71C7A53B}"/>
-              </a:ext>
-            </a:extLst>
-          </p:cNvPr>
-          <p:cNvSpPr txBox="1"/>
-          <p:nvPr/>
-        </p:nvSpPr>
-        <p:spPr>
-          <a:xfrm>
-            <a:off x="2866921" y="2224301"/>
-            <a:ext cx="1717407" cy="369332"/>
-          </a:xfrm>
-          <a:prstGeom prst="rect">
-            <a:avLst/>
-          </a:prstGeom>
-          <a:noFill/>
-        </p:spPr>
-        <p:txBody>
-          <a:bodyPr wrap="none">
-            <a:noAutofit/>
-          </a:bodyPr>
-          <a:lstStyle/>
-          <a:p>
-            <a:r>
-              <a:rPr lang="en-US" altLang="ko-KR" dirty="0">
-                <a:latin typeface="나눔스퀘어_ac" panose="020B0600000101010101" pitchFamily="50" charset="-127"/>
-                <a:ea typeface="나눔스퀘어_ac" panose="020B0600000101010101" pitchFamily="50" charset="-127"/>
-              </a:rPr>
-              <a:t>Python 3.10.9</a:t>
-            </a:r>
-            <a:endParaRPr lang="ko-KR" altLang="en-US" dirty="0"/>
-          </a:p>
-        </p:txBody>
-      </p:sp>
-      <p:sp>
-        <p:nvSpPr>
-          <p:cNvPr id="11" name="직사각형 10">
-            <a:extLst>
-              <a:ext uri="{FF2B5EF4-FFF2-40B4-BE49-F238E27FC236}">
-                <a16:creationId xmlns:a16="http://schemas.microsoft.com/office/drawing/2014/main" id="{D9A83188-2923-4DF6-B0DA-2CF7E58F65BD}"/>
-              </a:ext>
-            </a:extLst>
-          </p:cNvPr>
-          <p:cNvSpPr/>
-          <p:nvPr/>
-        </p:nvSpPr>
-        <p:spPr>
-          <a:xfrm>
-            <a:off x="1115970" y="2803830"/>
-            <a:ext cx="1532564" cy="380399"/>
-          </a:xfrm>
-          <a:prstGeom prst="rect">
-            <a:avLst/>
-          </a:prstGeom>
-        </p:spPr>
-        <p:style>
-          <a:lnRef idx="2">
-            <a:schemeClr val="accent1">
-              <a:shade val="50000"/>
-            </a:schemeClr>
-          </a:lnRef>
-          <a:fillRef idx="1">
-            <a:schemeClr val="accent1"/>
-          </a:fillRef>
-          <a:effectRef idx="0">
-            <a:schemeClr val="accent1"/>
-          </a:effectRef>
-          <a:fontRef idx="minor">
-            <a:schemeClr val="lt1"/>
-          </a:fontRef>
-        </p:style>
-        <p:txBody>
-          <a:bodyPr rtlCol="0" anchor="ctr"/>
-          <a:lstStyle/>
-          <a:p>
-            <a:pPr algn="ctr"/>
-            <a:r>
-              <a:rPr lang="en-US" altLang="ko-KR" dirty="0">
-                <a:latin typeface="나눔스퀘어_ac" panose="020B0600000101010101" pitchFamily="50" charset="-127"/>
-                <a:ea typeface="나눔스퀘어_ac" panose="020B0600000101010101" pitchFamily="50" charset="-127"/>
-              </a:rPr>
-              <a:t>IDE</a:t>
-            </a:r>
-            <a:endParaRPr lang="ko-KR" altLang="en-US" dirty="0"/>
-          </a:p>
-        </p:txBody>
-      </p:sp>
-      <p:sp>
-        <p:nvSpPr>
-          <p:cNvPr id="12" name="TextBox 11">
-            <a:extLst>
-              <a:ext uri="{FF2B5EF4-FFF2-40B4-BE49-F238E27FC236}">
-                <a16:creationId xmlns:a16="http://schemas.microsoft.com/office/drawing/2014/main" id="{CB2BE8E2-D7C9-47E7-BE97-CCAEC95C9500}"/>
-              </a:ext>
-            </a:extLst>
-          </p:cNvPr>
-          <p:cNvSpPr txBox="1"/>
-          <p:nvPr/>
-        </p:nvSpPr>
-        <p:spPr>
-          <a:xfrm>
-            <a:off x="2866921" y="2803830"/>
-            <a:ext cx="2918059" cy="380399"/>
-          </a:xfrm>
-          <a:prstGeom prst="rect">
-            <a:avLst/>
-          </a:prstGeom>
-          <a:noFill/>
-        </p:spPr>
-        <p:txBody>
-          <a:bodyPr wrap="none">
-            <a:noAutofit/>
-          </a:bodyPr>
-          <a:lstStyle/>
-          <a:p>
-            <a:r>
-              <a:rPr lang="en-US" altLang="ko-KR" dirty="0">
-                <a:latin typeface="나눔스퀘어_ac" panose="020B0600000101010101" pitchFamily="50" charset="-127"/>
-                <a:ea typeface="나눔스퀘어_ac" panose="020B0600000101010101" pitchFamily="50" charset="-127"/>
-              </a:rPr>
-              <a:t>Anaconda </a:t>
-            </a:r>
-            <a:r>
-              <a:rPr lang="en-US" altLang="ko-KR" dirty="0" err="1">
-                <a:latin typeface="나눔스퀘어_ac" panose="020B0600000101010101" pitchFamily="50" charset="-127"/>
-                <a:ea typeface="나눔스퀘어_ac" panose="020B0600000101010101" pitchFamily="50" charset="-127"/>
-              </a:rPr>
-              <a:t>jupyter</a:t>
-            </a:r>
-            <a:r>
-              <a:rPr lang="en-US" altLang="ko-KR" dirty="0">
-                <a:latin typeface="나눔스퀘어_ac" panose="020B0600000101010101" pitchFamily="50" charset="-127"/>
-                <a:ea typeface="나눔스퀘어_ac" panose="020B0600000101010101" pitchFamily="50" charset="-127"/>
-              </a:rPr>
-              <a:t> notebook</a:t>
-            </a:r>
-            <a:endParaRPr lang="ko-KR" altLang="en-US" dirty="0"/>
-          </a:p>
-        </p:txBody>
-      </p:sp>
-      <p:sp>
-        <p:nvSpPr>
-          <p:cNvPr id="13" name="직사각형 12">
-            <a:extLst>
-              <a:ext uri="{FF2B5EF4-FFF2-40B4-BE49-F238E27FC236}">
-                <a16:creationId xmlns:a16="http://schemas.microsoft.com/office/drawing/2014/main" id="{94DE0678-0945-4689-8D1E-23E964AFD115}"/>
-              </a:ext>
-            </a:extLst>
-          </p:cNvPr>
-          <p:cNvSpPr/>
-          <p:nvPr/>
-        </p:nvSpPr>
-        <p:spPr>
-          <a:xfrm>
-            <a:off x="1115970" y="3383359"/>
-            <a:ext cx="1532564" cy="380399"/>
-          </a:xfrm>
-          <a:prstGeom prst="rect">
-            <a:avLst/>
-          </a:prstGeom>
-        </p:spPr>
-        <p:style>
-          <a:lnRef idx="2">
-            <a:schemeClr val="accent1">
-              <a:shade val="50000"/>
-            </a:schemeClr>
-          </a:lnRef>
-          <a:fillRef idx="1">
-            <a:schemeClr val="accent1"/>
-          </a:fillRef>
-          <a:effectRef idx="0">
-            <a:schemeClr val="accent1"/>
-          </a:effectRef>
-          <a:fontRef idx="minor">
-            <a:schemeClr val="lt1"/>
-          </a:fontRef>
-        </p:style>
-        <p:txBody>
-          <a:bodyPr rtlCol="0" anchor="ctr"/>
-          <a:lstStyle/>
-          <a:p>
-            <a:pPr algn="ctr"/>
-            <a:r>
-              <a:rPr lang="en-US" altLang="ko-KR" dirty="0">
-                <a:latin typeface="나눔스퀘어_ac" panose="020B0600000101010101" pitchFamily="50" charset="-127"/>
-                <a:ea typeface="나눔스퀘어_ac" panose="020B0600000101010101" pitchFamily="50" charset="-127"/>
-              </a:rPr>
-              <a:t>Open Source</a:t>
-            </a:r>
-            <a:endParaRPr lang="ko-KR" altLang="en-US" dirty="0"/>
-          </a:p>
-        </p:txBody>
-      </p:sp>
-      <p:sp>
-        <p:nvSpPr>
-          <p:cNvPr id="14" name="TextBox 13">
-            <a:extLst>
-              <a:ext uri="{FF2B5EF4-FFF2-40B4-BE49-F238E27FC236}">
-                <a16:creationId xmlns:a16="http://schemas.microsoft.com/office/drawing/2014/main" id="{FC670C26-3EA9-4825-B12D-7C1E3C21681A}"/>
-              </a:ext>
-            </a:extLst>
-          </p:cNvPr>
-          <p:cNvSpPr txBox="1"/>
-          <p:nvPr/>
-        </p:nvSpPr>
-        <p:spPr>
-          <a:xfrm>
-            <a:off x="2866921" y="3383359"/>
-            <a:ext cx="2918059" cy="380399"/>
-          </a:xfrm>
-          <a:prstGeom prst="rect">
-            <a:avLst/>
-          </a:prstGeom>
-          <a:noFill/>
-        </p:spPr>
-        <p:txBody>
-          <a:bodyPr wrap="none">
-            <a:noAutofit/>
-          </a:bodyPr>
-          <a:lstStyle/>
-          <a:p>
-            <a:r>
-              <a:rPr lang="en-US" altLang="ko-KR" dirty="0" err="1">
-                <a:latin typeface="나눔스퀘어_ac" panose="020B0600000101010101" pitchFamily="50" charset="-127"/>
-                <a:ea typeface="나눔스퀘어_ac" panose="020B0600000101010101" pitchFamily="50" charset="-127"/>
-              </a:rPr>
-              <a:t>Librosa</a:t>
-            </a:r>
-            <a:r>
-              <a:rPr lang="en-US" altLang="ko-KR" dirty="0">
-                <a:latin typeface="나눔스퀘어_ac" panose="020B0600000101010101" pitchFamily="50" charset="-127"/>
-                <a:ea typeface="나눔스퀘어_ac" panose="020B0600000101010101" pitchFamily="50" charset="-127"/>
-              </a:rPr>
-              <a:t> 0.10.2			(</a:t>
-            </a:r>
-            <a:r>
-              <a:rPr lang="ko-KR" altLang="en-US" dirty="0">
-                <a:latin typeface="나눔스퀘어_ac" panose="020B0600000101010101" pitchFamily="50" charset="-127"/>
-                <a:ea typeface="나눔스퀘어_ac" panose="020B0600000101010101" pitchFamily="50" charset="-127"/>
-              </a:rPr>
-              <a:t>음악 데이터 특징 벡터화 라이브러리</a:t>
-            </a:r>
-            <a:r>
-              <a:rPr lang="en-US" altLang="ko-KR" dirty="0">
-                <a:latin typeface="나눔스퀘어_ac" panose="020B0600000101010101" pitchFamily="50" charset="-127"/>
-                <a:ea typeface="나눔스퀘어_ac" panose="020B0600000101010101" pitchFamily="50" charset="-127"/>
-              </a:rPr>
-              <a:t>)</a:t>
-            </a:r>
-          </a:p>
-          <a:p>
-            <a:r>
-              <a:rPr lang="en-US" altLang="ko-KR" dirty="0" err="1">
-                <a:latin typeface="나눔스퀘어_ac" panose="020B0600000101010101" pitchFamily="50" charset="-127"/>
-                <a:ea typeface="나눔스퀘어_ac" panose="020B0600000101010101" pitchFamily="50" charset="-127"/>
-              </a:rPr>
-              <a:t>Numpy</a:t>
-            </a:r>
-            <a:r>
-              <a:rPr lang="en-US" altLang="ko-KR" dirty="0">
-                <a:latin typeface="나눔스퀘어_ac" panose="020B0600000101010101" pitchFamily="50" charset="-127"/>
-                <a:ea typeface="나눔스퀘어_ac" panose="020B0600000101010101" pitchFamily="50" charset="-127"/>
-              </a:rPr>
-              <a:t> 1.23.5			(</a:t>
-            </a:r>
-            <a:r>
-              <a:rPr lang="ko-KR" altLang="en-US" dirty="0">
-                <a:latin typeface="나눔스퀘어_ac" panose="020B0600000101010101" pitchFamily="50" charset="-127"/>
-                <a:ea typeface="나눔스퀘어_ac" panose="020B0600000101010101" pitchFamily="50" charset="-127"/>
-              </a:rPr>
-              <a:t>학습용 데이터 생성 및 데이터 </a:t>
-            </a:r>
-            <a:r>
-              <a:rPr lang="ko-KR" altLang="en-US" dirty="0" err="1">
-                <a:latin typeface="나눔스퀘어_ac" panose="020B0600000101010101" pitchFamily="50" charset="-127"/>
-                <a:ea typeface="나눔스퀘어_ac" panose="020B0600000101010101" pitchFamily="50" charset="-127"/>
-              </a:rPr>
-              <a:t>전처리</a:t>
-            </a:r>
-            <a:r>
-              <a:rPr lang="en-US" altLang="ko-KR" dirty="0">
-                <a:latin typeface="나눔스퀘어_ac" panose="020B0600000101010101" pitchFamily="50" charset="-127"/>
-                <a:ea typeface="나눔스퀘어_ac" panose="020B0600000101010101" pitchFamily="50" charset="-127"/>
-              </a:rPr>
-              <a:t>)</a:t>
-            </a:r>
-          </a:p>
-          <a:p>
-            <a:r>
-              <a:rPr lang="en-US" altLang="ko-KR" dirty="0">
-                <a:latin typeface="나눔스퀘어_ac" panose="020B0600000101010101" pitchFamily="50" charset="-127"/>
-                <a:ea typeface="나눔스퀘어_ac" panose="020B0600000101010101" pitchFamily="50" charset="-127"/>
-              </a:rPr>
-              <a:t>Pandas 1.5.3			(</a:t>
-            </a:r>
-            <a:r>
-              <a:rPr lang="ko-KR" altLang="en-US" dirty="0">
-                <a:latin typeface="나눔스퀘어_ac" panose="020B0600000101010101" pitchFamily="50" charset="-127"/>
-                <a:ea typeface="나눔스퀘어_ac" panose="020B0600000101010101" pitchFamily="50" charset="-127"/>
-              </a:rPr>
-              <a:t>데이터 </a:t>
-            </a:r>
-            <a:r>
-              <a:rPr lang="ko-KR" altLang="en-US" dirty="0" err="1">
-                <a:latin typeface="나눔스퀘어_ac" panose="020B0600000101010101" pitchFamily="50" charset="-127"/>
-                <a:ea typeface="나눔스퀘어_ac" panose="020B0600000101010101" pitchFamily="50" charset="-127"/>
-              </a:rPr>
-              <a:t>전처리</a:t>
-            </a:r>
-            <a:r>
-              <a:rPr lang="en-US" altLang="ko-KR" dirty="0">
-                <a:latin typeface="나눔스퀘어_ac" panose="020B0600000101010101" pitchFamily="50" charset="-127"/>
-                <a:ea typeface="나눔스퀘어_ac" panose="020B0600000101010101" pitchFamily="50" charset="-127"/>
-              </a:rPr>
-              <a:t>)</a:t>
-            </a:r>
-          </a:p>
-          <a:p>
-            <a:r>
-              <a:rPr lang="en-US" altLang="ko-KR" dirty="0" err="1">
-                <a:latin typeface="나눔스퀘어_ac" panose="020B0600000101010101" pitchFamily="50" charset="-127"/>
-                <a:ea typeface="나눔스퀘어_ac" panose="020B0600000101010101" pitchFamily="50" charset="-127"/>
-              </a:rPr>
-              <a:t>Tensorflow</a:t>
-            </a:r>
-            <a:r>
-              <a:rPr lang="en-US" altLang="ko-KR" dirty="0">
-                <a:latin typeface="나눔스퀘어_ac" panose="020B0600000101010101" pitchFamily="50" charset="-127"/>
-                <a:ea typeface="나눔스퀘어_ac" panose="020B0600000101010101" pitchFamily="50" charset="-127"/>
-              </a:rPr>
-              <a:t> 2.10.0		(</a:t>
-            </a:r>
-            <a:r>
-              <a:rPr lang="ko-KR" altLang="en-US" dirty="0">
-                <a:latin typeface="나눔스퀘어_ac" panose="020B0600000101010101" pitchFamily="50" charset="-127"/>
-                <a:ea typeface="나눔스퀘어_ac" panose="020B0600000101010101" pitchFamily="50" charset="-127"/>
-              </a:rPr>
-              <a:t>인공지능 학습</a:t>
-            </a:r>
-            <a:r>
-              <a:rPr lang="en-US" altLang="ko-KR" dirty="0">
-                <a:latin typeface="나눔스퀘어_ac" panose="020B0600000101010101" pitchFamily="50" charset="-127"/>
-                <a:ea typeface="나눔스퀘어_ac" panose="020B0600000101010101" pitchFamily="50" charset="-127"/>
-              </a:rPr>
-              <a:t>),</a:t>
-            </a:r>
-          </a:p>
-          <a:p>
-            <a:r>
-              <a:rPr lang="en-US" altLang="ko-KR" dirty="0">
-                <a:latin typeface="나눔스퀘어_ac" panose="020B0600000101010101" pitchFamily="50" charset="-127"/>
-                <a:ea typeface="나눔스퀘어_ac" panose="020B0600000101010101" pitchFamily="50" charset="-127"/>
-              </a:rPr>
-              <a:t>Matplotlib 3.7.0, Seaborn 0.12.2	(</a:t>
-            </a:r>
-            <a:r>
-              <a:rPr lang="ko-KR" altLang="en-US" dirty="0">
-                <a:latin typeface="나눔스퀘어_ac" panose="020B0600000101010101" pitchFamily="50" charset="-127"/>
-                <a:ea typeface="나눔스퀘어_ac" panose="020B0600000101010101" pitchFamily="50" charset="-127"/>
-              </a:rPr>
-              <a:t>데이터 시각화</a:t>
-            </a:r>
-            <a:r>
-              <a:rPr lang="en-US" altLang="ko-KR" dirty="0">
-                <a:latin typeface="나눔스퀘어_ac" panose="020B0600000101010101" pitchFamily="50" charset="-127"/>
-                <a:ea typeface="나눔스퀘어_ac" panose="020B0600000101010101" pitchFamily="50" charset="-127"/>
-              </a:rPr>
-              <a:t>)</a:t>
-            </a:r>
-          </a:p>
-        </p:txBody>
-      </p:sp>
-      <p:sp>
-        <p:nvSpPr>
-          <p:cNvPr id="16" name="TextBox 15">
-            <a:extLst>
-              <a:ext uri="{FF2B5EF4-FFF2-40B4-BE49-F238E27FC236}">
-                <a16:creationId xmlns:a16="http://schemas.microsoft.com/office/drawing/2014/main" id="{DA85497D-13C2-4839-B24D-3F1916273EC6}"/>
-              </a:ext>
-            </a:extLst>
-          </p:cNvPr>
-          <p:cNvSpPr txBox="1"/>
-          <p:nvPr/>
-        </p:nvSpPr>
-        <p:spPr>
-          <a:xfrm>
-            <a:off x="2866920" y="5332331"/>
-            <a:ext cx="6584989" cy="646331"/>
-          </a:xfrm>
-          <a:prstGeom prst="rect">
-            <a:avLst/>
-          </a:prstGeom>
-          <a:noFill/>
-        </p:spPr>
-        <p:txBody>
-          <a:bodyPr wrap="square">
-            <a:spAutoFit/>
-          </a:bodyPr>
-          <a:lstStyle/>
-          <a:p>
-            <a:r>
-              <a:rPr lang="ko-KR" altLang="en-US" dirty="0">
-                <a:latin typeface="나눔스퀘어_ac" panose="020B0600000101010101" pitchFamily="50" charset="-127"/>
-                <a:ea typeface="나눔스퀘어_ac" panose="020B0600000101010101" pitchFamily="50" charset="-127"/>
-              </a:rPr>
-              <a:t>shaked6540/YoutubePlaylistDownloader </a:t>
-            </a:r>
-            <a:endParaRPr lang="en-US" altLang="ko-KR" dirty="0">
-              <a:latin typeface="나눔스퀘어_ac" panose="020B0600000101010101" pitchFamily="50" charset="-127"/>
-              <a:ea typeface="나눔스퀘어_ac" panose="020B0600000101010101" pitchFamily="50" charset="-127"/>
-            </a:endParaRPr>
-          </a:p>
-          <a:p>
-            <a:r>
-              <a:rPr lang="en-US" altLang="ko-KR" dirty="0">
-                <a:latin typeface="나눔스퀘어_ac" panose="020B0600000101010101" pitchFamily="50" charset="-127"/>
-                <a:ea typeface="나눔스퀘어_ac" panose="020B0600000101010101" pitchFamily="50" charset="-127"/>
-              </a:rPr>
-              <a:t>- </a:t>
-            </a:r>
-            <a:r>
-              <a:rPr lang="ko-KR" altLang="en-US" dirty="0">
-                <a:latin typeface="나눔스퀘어_ac" panose="020B0600000101010101" pitchFamily="50" charset="-127"/>
-                <a:ea typeface="나눔스퀘어_ac" panose="020B0600000101010101" pitchFamily="50" charset="-127"/>
-              </a:rPr>
-              <a:t>재생목록 기반 </a:t>
-            </a:r>
-            <a:r>
-              <a:rPr lang="en-US" altLang="ko-KR" dirty="0">
-                <a:latin typeface="나눔스퀘어_ac" panose="020B0600000101010101" pitchFamily="50" charset="-127"/>
-                <a:ea typeface="나눔스퀘어_ac" panose="020B0600000101010101" pitchFamily="50" charset="-127"/>
-              </a:rPr>
-              <a:t>wav </a:t>
-            </a:r>
-            <a:r>
-              <a:rPr lang="ko-KR" altLang="en-US" dirty="0">
-                <a:latin typeface="나눔스퀘어_ac" panose="020B0600000101010101" pitchFamily="50" charset="-127"/>
-                <a:ea typeface="나눔스퀘어_ac" panose="020B0600000101010101" pitchFamily="50" charset="-127"/>
-              </a:rPr>
-              <a:t>파일 다운로드</a:t>
-            </a:r>
-          </a:p>
-        </p:txBody>
-      </p:sp>
-      <p:sp>
-        <p:nvSpPr>
-          <p:cNvPr id="17" name="직사각형 16">
-            <a:extLst>
-              <a:ext uri="{FF2B5EF4-FFF2-40B4-BE49-F238E27FC236}">
-                <a16:creationId xmlns:a16="http://schemas.microsoft.com/office/drawing/2014/main" id="{F4D3978C-7720-4C30-9A62-3D1EE0EA608D}"/>
-              </a:ext>
-            </a:extLst>
-          </p:cNvPr>
-          <p:cNvSpPr/>
-          <p:nvPr/>
-        </p:nvSpPr>
-        <p:spPr>
-          <a:xfrm>
-            <a:off x="1115970" y="5275098"/>
-            <a:ext cx="1532564" cy="380399"/>
-          </a:xfrm>
-          <a:prstGeom prst="rect">
-            <a:avLst/>
-          </a:prstGeom>
-        </p:spPr>
-        <p:style>
-          <a:lnRef idx="2">
-            <a:schemeClr val="accent1">
-              <a:shade val="50000"/>
-            </a:schemeClr>
-          </a:lnRef>
-          <a:fillRef idx="1">
-            <a:schemeClr val="accent1"/>
-          </a:fillRef>
-          <a:effectRef idx="0">
-            <a:schemeClr val="accent1"/>
-          </a:effectRef>
-          <a:fontRef idx="minor">
-            <a:schemeClr val="lt1"/>
-          </a:fontRef>
-        </p:style>
-        <p:txBody>
-          <a:bodyPr rtlCol="0" anchor="ctr"/>
-          <a:lstStyle/>
-          <a:p>
-            <a:pPr algn="ctr"/>
-            <a:r>
-              <a:rPr lang="en-US" altLang="ko-KR" dirty="0">
-                <a:latin typeface="나눔스퀘어_ac" panose="020B0600000101010101" pitchFamily="50" charset="-127"/>
-                <a:ea typeface="나눔스퀘어_ac" panose="020B0600000101010101" pitchFamily="50" charset="-127"/>
-              </a:rPr>
-              <a:t>Open Source</a:t>
-            </a:r>
-            <a:endParaRPr lang="ko-KR" altLang="en-US" dirty="0"/>
-          </a:p>
-        </p:txBody>
-      </p:sp>
+      </p:pic>
     </p:spTree>
     <p:extLst>
       <p:ext uri="{BB962C8B-B14F-4D97-AF65-F5344CB8AC3E}">
-        <p14:creationId xmlns:p14="http://schemas.microsoft.com/office/powerpoint/2010/main" val="3115420681"/>
+        <p14:creationId xmlns:p14="http://schemas.microsoft.com/office/powerpoint/2010/main" val="3103681006"/>
       </p:ext>
     </p:extLst>
   </p:cSld>
@@ -15911,36 +15402,6 @@
           <a:chExt cx="0" cy="0"/>
         </a:xfrm>
       </p:grpSpPr>
-      <p:pic>
-        <p:nvPicPr>
-          <p:cNvPr id="7" name="그림 6">
-            <a:extLst>
-              <a:ext uri="{FF2B5EF4-FFF2-40B4-BE49-F238E27FC236}">
-                <a16:creationId xmlns:a16="http://schemas.microsoft.com/office/drawing/2014/main" id="{258173DE-B113-4481-8099-D64AD7B44316}"/>
-              </a:ext>
-            </a:extLst>
-          </p:cNvPr>
-          <p:cNvPicPr>
-            <a:picLocks noChangeAspect="1"/>
-          </p:cNvPicPr>
-          <p:nvPr/>
-        </p:nvPicPr>
-        <p:blipFill>
-          <a:blip r:embed="rId2"/>
-          <a:stretch>
-            <a:fillRect/>
-          </a:stretch>
-        </p:blipFill>
-        <p:spPr>
-          <a:xfrm>
-            <a:off x="1673289" y="1202503"/>
-            <a:ext cx="8845422" cy="5417660"/>
-          </a:xfrm>
-          <a:prstGeom prst="rect">
-            <a:avLst/>
-          </a:prstGeom>
-        </p:spPr>
-      </p:pic>
       <p:cxnSp>
         <p:nvCxnSpPr>
           <p:cNvPr id="2" name="직선 연결선 1">
@@ -16015,7 +15476,7 @@
                 <a:latin typeface="나눔스퀘어_ac Bold" panose="020B0600000101010101" pitchFamily="50" charset="-127"/>
                 <a:ea typeface="나눔스퀘어_ac Bold" panose="020B0600000101010101" pitchFamily="50" charset="-127"/>
               </a:rPr>
-              <a:t>정리</a:t>
+              <a:t>마무리</a:t>
             </a:r>
           </a:p>
         </p:txBody>
@@ -16053,16 +15514,285 @@
                 <a:latin typeface="나눔스퀘어_ac" panose="020B0600000101010101" pitchFamily="50" charset="-127"/>
                 <a:ea typeface="나눔스퀘어_ac" panose="020B0600000101010101" pitchFamily="50" charset="-127"/>
               </a:rPr>
-              <a:t>개발일정</a:t>
+              <a:t>웹 구현</a:t>
             </a:r>
             <a:endParaRPr lang="ko-KR" altLang="en-US" dirty="0"/>
+          </a:p>
+        </p:txBody>
+      </p:sp>
+      <p:pic>
+        <p:nvPicPr>
+          <p:cNvPr id="18" name="그림 17">
+            <a:extLst>
+              <a:ext uri="{FF2B5EF4-FFF2-40B4-BE49-F238E27FC236}">
+                <a16:creationId xmlns:a16="http://schemas.microsoft.com/office/drawing/2014/main" id="{904E639C-A61C-4CC9-B8D8-009DB6FBD418}"/>
+              </a:ext>
+            </a:extLst>
+          </p:cNvPr>
+          <p:cNvPicPr>
+            <a:picLocks noChangeAspect="1"/>
+          </p:cNvPicPr>
+          <p:nvPr/>
+        </p:nvPicPr>
+        <p:blipFill>
+          <a:blip r:embed="rId2"/>
+          <a:stretch>
+            <a:fillRect/>
+          </a:stretch>
+        </p:blipFill>
+        <p:spPr>
+          <a:xfrm>
+            <a:off x="627295" y="2101443"/>
+            <a:ext cx="5177874" cy="2655114"/>
+          </a:xfrm>
+          <a:prstGeom prst="rect">
+            <a:avLst/>
+          </a:prstGeom>
+        </p:spPr>
+      </p:pic>
+      <p:pic>
+        <p:nvPicPr>
+          <p:cNvPr id="20" name="그림 19">
+            <a:extLst>
+              <a:ext uri="{FF2B5EF4-FFF2-40B4-BE49-F238E27FC236}">
+                <a16:creationId xmlns:a16="http://schemas.microsoft.com/office/drawing/2014/main" id="{EF14B0AE-1E13-45F5-AD84-A42EBF5FDBF4}"/>
+              </a:ext>
+            </a:extLst>
+          </p:cNvPr>
+          <p:cNvPicPr>
+            <a:picLocks noChangeAspect="1"/>
+          </p:cNvPicPr>
+          <p:nvPr/>
+        </p:nvPicPr>
+        <p:blipFill>
+          <a:blip r:embed="rId3"/>
+          <a:stretch>
+            <a:fillRect/>
+          </a:stretch>
+        </p:blipFill>
+        <p:spPr>
+          <a:xfrm>
+            <a:off x="6091809" y="2101443"/>
+            <a:ext cx="5322833" cy="2655114"/>
+          </a:xfrm>
+          <a:prstGeom prst="rect">
+            <a:avLst/>
+          </a:prstGeom>
+        </p:spPr>
+      </p:pic>
+      <p:sp>
+        <p:nvSpPr>
+          <p:cNvPr id="21" name="TextBox 20">
+            <a:extLst>
+              <a:ext uri="{FF2B5EF4-FFF2-40B4-BE49-F238E27FC236}">
+                <a16:creationId xmlns:a16="http://schemas.microsoft.com/office/drawing/2014/main" id="{21BF7E19-177F-44A1-A28A-26F9163CBFCE}"/>
+              </a:ext>
+            </a:extLst>
+          </p:cNvPr>
+          <p:cNvSpPr txBox="1"/>
+          <p:nvPr/>
+        </p:nvSpPr>
+        <p:spPr>
+          <a:xfrm>
+            <a:off x="2854255" y="5201772"/>
+            <a:ext cx="723953" cy="360130"/>
+          </a:xfrm>
+          <a:prstGeom prst="rect">
+            <a:avLst/>
+          </a:prstGeom>
+          <a:noFill/>
+          <a:extLst>
+            <a:ext uri="{909E8E84-426E-40DD-AFC4-6F175D3DCCD1}">
+              <a14:hiddenFill xmlns:a14="http://schemas.microsoft.com/office/drawing/2010/main">
+                <a:solidFill>
+                  <a:srgbClr val="FFFFFF"/>
+                </a:solidFill>
+              </a14:hiddenFill>
+            </a:ext>
+          </a:extLst>
+        </p:spPr>
+        <p:txBody>
+          <a:bodyPr wrap="none" rtlCol="0" anchor="t">
+            <a:noAutofit/>
+          </a:bodyPr>
+          <a:lstStyle/>
+          <a:p>
+            <a:r>
+              <a:rPr lang="ko-KR" altLang="en-US" dirty="0">
+                <a:latin typeface="나눔스퀘어_ac" panose="020B0600000101010101" pitchFamily="50" charset="-127"/>
+                <a:ea typeface="나눔스퀘어_ac" panose="020B0600000101010101" pitchFamily="50" charset="-127"/>
+              </a:rPr>
+              <a:t>매매가</a:t>
+            </a:r>
+            <a:endParaRPr lang="en-US" altLang="ko-KR" dirty="0">
+              <a:latin typeface="나눔스퀘어_ac" panose="020B0600000101010101" pitchFamily="50" charset="-127"/>
+              <a:ea typeface="나눔스퀘어_ac" panose="020B0600000101010101" pitchFamily="50" charset="-127"/>
+            </a:endParaRPr>
+          </a:p>
+        </p:txBody>
+      </p:sp>
+      <p:sp>
+        <p:nvSpPr>
+          <p:cNvPr id="22" name="TextBox 21">
+            <a:extLst>
+              <a:ext uri="{FF2B5EF4-FFF2-40B4-BE49-F238E27FC236}">
+                <a16:creationId xmlns:a16="http://schemas.microsoft.com/office/drawing/2014/main" id="{ACD8DD59-07A2-481D-8227-CCDA4F241113}"/>
+              </a:ext>
+            </a:extLst>
+          </p:cNvPr>
+          <p:cNvSpPr txBox="1"/>
+          <p:nvPr/>
+        </p:nvSpPr>
+        <p:spPr>
+          <a:xfrm>
+            <a:off x="8146152" y="5201772"/>
+            <a:ext cx="1214146" cy="360130"/>
+          </a:xfrm>
+          <a:prstGeom prst="rect">
+            <a:avLst/>
+          </a:prstGeom>
+          <a:noFill/>
+          <a:extLst>
+            <a:ext uri="{909E8E84-426E-40DD-AFC4-6F175D3DCCD1}">
+              <a14:hiddenFill xmlns:a14="http://schemas.microsoft.com/office/drawing/2010/main">
+                <a:solidFill>
+                  <a:srgbClr val="FFFFFF"/>
+                </a:solidFill>
+              </a14:hiddenFill>
+            </a:ext>
+          </a:extLst>
+        </p:spPr>
+        <p:txBody>
+          <a:bodyPr wrap="none" rtlCol="0" anchor="t">
+            <a:noAutofit/>
+          </a:bodyPr>
+          <a:lstStyle/>
+          <a:p>
+            <a:r>
+              <a:rPr lang="ko-KR" altLang="en-US" dirty="0">
+                <a:latin typeface="나눔스퀘어_ac" panose="020B0600000101010101" pitchFamily="50" charset="-127"/>
+                <a:ea typeface="나눔스퀘어_ac" panose="020B0600000101010101" pitchFamily="50" charset="-127"/>
+              </a:rPr>
+              <a:t>음악 추천 </a:t>
+            </a:r>
+            <a:r>
+              <a:rPr lang="en-US" altLang="ko-KR" dirty="0">
+                <a:latin typeface="나눔스퀘어_ac" panose="020B0600000101010101" pitchFamily="50" charset="-127"/>
+                <a:ea typeface="나눔스퀘어_ac" panose="020B0600000101010101" pitchFamily="50" charset="-127"/>
+              </a:rPr>
+              <a:t>AI</a:t>
+            </a:r>
+          </a:p>
+        </p:txBody>
+      </p:sp>
+      <p:sp>
+        <p:nvSpPr>
+          <p:cNvPr id="10" name="직사각형 9">
+            <a:extLst>
+              <a:ext uri="{FF2B5EF4-FFF2-40B4-BE49-F238E27FC236}">
+                <a16:creationId xmlns:a16="http://schemas.microsoft.com/office/drawing/2014/main" id="{0C9D39BB-AEEB-465B-940C-8E8DD138D269}"/>
+              </a:ext>
+            </a:extLst>
+          </p:cNvPr>
+          <p:cNvSpPr/>
+          <p:nvPr/>
+        </p:nvSpPr>
+        <p:spPr>
+          <a:xfrm>
+            <a:off x="6469744" y="3341748"/>
+            <a:ext cx="467951" cy="257130"/>
+          </a:xfrm>
+          <a:prstGeom prst="rect">
+            <a:avLst/>
+          </a:prstGeom>
+          <a:noFill/>
+          <a:ln w="28575">
+            <a:solidFill>
+              <a:srgbClr val="FF0000"/>
+            </a:solidFill>
+          </a:ln>
+        </p:spPr>
+        <p:style>
+          <a:lnRef idx="2">
+            <a:schemeClr val="accent1">
+              <a:shade val="50000"/>
+            </a:schemeClr>
+          </a:lnRef>
+          <a:fillRef idx="1">
+            <a:schemeClr val="accent1"/>
+          </a:fillRef>
+          <a:effectRef idx="0">
+            <a:schemeClr val="accent1"/>
+          </a:effectRef>
+          <a:fontRef idx="minor">
+            <a:schemeClr val="lt1"/>
+          </a:fontRef>
+        </p:style>
+        <p:txBody>
+          <a:bodyPr rtlCol="0" anchor="ctr"/>
+          <a:lstStyle/>
+          <a:p>
+            <a:pPr algn="ctr"/>
+            <a:endParaRPr lang="ko-KR" altLang="en-US"/>
+          </a:p>
+        </p:txBody>
+      </p:sp>
+      <p:sp>
+        <p:nvSpPr>
+          <p:cNvPr id="13" name="직사각형 12">
+            <a:extLst>
+              <a:ext uri="{FF2B5EF4-FFF2-40B4-BE49-F238E27FC236}">
+                <a16:creationId xmlns:a16="http://schemas.microsoft.com/office/drawing/2014/main" id="{424A0908-63EB-4874-BA50-B9B1A244D845}"/>
+              </a:ext>
+            </a:extLst>
+          </p:cNvPr>
+          <p:cNvSpPr/>
+          <p:nvPr/>
+        </p:nvSpPr>
+        <p:spPr>
+          <a:xfrm>
+            <a:off x="2748280" y="3749878"/>
+            <a:ext cx="1379103" cy="134225"/>
+          </a:xfrm>
+          <a:prstGeom prst="rect">
+            <a:avLst/>
+          </a:prstGeom>
+          <a:noFill/>
+          <a:ln w="28575">
+            <a:solidFill>
+              <a:srgbClr val="FF0000"/>
+            </a:solidFill>
+          </a:ln>
+        </p:spPr>
+        <p:style>
+          <a:lnRef idx="2">
+            <a:schemeClr val="accent1">
+              <a:shade val="50000"/>
+            </a:schemeClr>
+          </a:lnRef>
+          <a:fillRef idx="1">
+            <a:schemeClr val="accent1"/>
+          </a:fillRef>
+          <a:effectRef idx="0">
+            <a:schemeClr val="accent1"/>
+          </a:effectRef>
+          <a:fontRef idx="minor">
+            <a:schemeClr val="lt1"/>
+          </a:fontRef>
+        </p:style>
+        <p:txBody>
+          <a:bodyPr rtlCol="0" anchor="ctr"/>
+          <a:lstStyle/>
+          <a:p>
+            <a:pPr algn="ctr"/>
+            <a:endParaRPr lang="ko-KR" altLang="en-US"/>
           </a:p>
         </p:txBody>
       </p:sp>
     </p:spTree>
     <p:extLst>
       <p:ext uri="{BB962C8B-B14F-4D97-AF65-F5344CB8AC3E}">
-        <p14:creationId xmlns:p14="http://schemas.microsoft.com/office/powerpoint/2010/main" val="3760257640"/>
+        <p14:creationId xmlns:p14="http://schemas.microsoft.com/office/powerpoint/2010/main" val="566291472"/>
       </p:ext>
     </p:extLst>
   </p:cSld>
@@ -16089,6 +15819,36 @@
           <a:chExt cx="0" cy="0"/>
         </a:xfrm>
       </p:grpSpPr>
+      <p:pic>
+        <p:nvPicPr>
+          <p:cNvPr id="6" name="그림 5">
+            <a:extLst>
+              <a:ext uri="{FF2B5EF4-FFF2-40B4-BE49-F238E27FC236}">
+                <a16:creationId xmlns:a16="http://schemas.microsoft.com/office/drawing/2014/main" id="{FE27B859-7489-4C91-AA8B-89EF2793FDE0}"/>
+              </a:ext>
+            </a:extLst>
+          </p:cNvPr>
+          <p:cNvPicPr>
+            <a:picLocks noChangeAspect="1"/>
+          </p:cNvPicPr>
+          <p:nvPr/>
+        </p:nvPicPr>
+        <p:blipFill>
+          <a:blip r:embed="rId2"/>
+          <a:stretch>
+            <a:fillRect/>
+          </a:stretch>
+        </p:blipFill>
+        <p:spPr>
+          <a:xfrm>
+            <a:off x="531413" y="2742772"/>
+            <a:ext cx="5536734" cy="1843652"/>
+          </a:xfrm>
+          <a:prstGeom prst="rect">
+            <a:avLst/>
+          </a:prstGeom>
+        </p:spPr>
+      </p:pic>
       <p:cxnSp>
         <p:nvCxnSpPr>
           <p:cNvPr id="2" name="직선 연결선 1">
@@ -16163,7 +15923,7 @@
                 <a:latin typeface="나눔스퀘어_ac Bold" panose="020B0600000101010101" pitchFamily="50" charset="-127"/>
                 <a:ea typeface="나눔스퀘어_ac Bold" panose="020B0600000101010101" pitchFamily="50" charset="-127"/>
               </a:rPr>
-              <a:t>정리</a:t>
+              <a:t>마무리</a:t>
             </a:r>
           </a:p>
         </p:txBody>
@@ -16201,7 +15961,7 @@
                 <a:latin typeface="나눔스퀘어_ac" panose="020B0600000101010101" pitchFamily="50" charset="-127"/>
                 <a:ea typeface="나눔스퀘어_ac" panose="020B0600000101010101" pitchFamily="50" charset="-127"/>
               </a:rPr>
-              <a:t>참조</a:t>
+              <a:t>웹 구현</a:t>
             </a:r>
             <a:endParaRPr lang="ko-KR" altLang="en-US" dirty="0"/>
           </a:p>
@@ -16209,10 +15969,293 @@
       </p:sp>
       <p:sp>
         <p:nvSpPr>
-          <p:cNvPr id="6" name="직사각형 5">
-            <a:extLst>
-              <a:ext uri="{FF2B5EF4-FFF2-40B4-BE49-F238E27FC236}">
-                <a16:creationId xmlns:a16="http://schemas.microsoft.com/office/drawing/2014/main" id="{C2278A7F-CFB6-4CED-A313-AF88AFD27A85}"/>
+          <p:cNvPr id="21" name="TextBox 20">
+            <a:extLst>
+              <a:ext uri="{FF2B5EF4-FFF2-40B4-BE49-F238E27FC236}">
+                <a16:creationId xmlns:a16="http://schemas.microsoft.com/office/drawing/2014/main" id="{21BF7E19-177F-44A1-A28A-26F9163CBFCE}"/>
+              </a:ext>
+            </a:extLst>
+          </p:cNvPr>
+          <p:cNvSpPr txBox="1"/>
+          <p:nvPr/>
+        </p:nvSpPr>
+        <p:spPr>
+          <a:xfrm>
+            <a:off x="2783284" y="5201772"/>
+            <a:ext cx="723953" cy="360130"/>
+          </a:xfrm>
+          <a:prstGeom prst="rect">
+            <a:avLst/>
+          </a:prstGeom>
+          <a:noFill/>
+          <a:extLst>
+            <a:ext uri="{909E8E84-426E-40DD-AFC4-6F175D3DCCD1}">
+              <a14:hiddenFill xmlns:a14="http://schemas.microsoft.com/office/drawing/2010/main">
+                <a:solidFill>
+                  <a:srgbClr val="FFFFFF"/>
+                </a:solidFill>
+              </a14:hiddenFill>
+            </a:ext>
+          </a:extLst>
+        </p:spPr>
+        <p:txBody>
+          <a:bodyPr wrap="none" rtlCol="0" anchor="t">
+            <a:noAutofit/>
+          </a:bodyPr>
+          <a:lstStyle/>
+          <a:p>
+            <a:r>
+              <a:rPr lang="ko-KR" altLang="en-US" dirty="0">
+                <a:latin typeface="나눔스퀘어_ac" panose="020B0600000101010101" pitchFamily="50" charset="-127"/>
+                <a:ea typeface="나눔스퀘어_ac" panose="020B0600000101010101" pitchFamily="50" charset="-127"/>
+              </a:rPr>
+              <a:t>매매가</a:t>
+            </a:r>
+            <a:endParaRPr lang="en-US" altLang="ko-KR" dirty="0">
+              <a:latin typeface="나눔스퀘어_ac" panose="020B0600000101010101" pitchFamily="50" charset="-127"/>
+              <a:ea typeface="나눔스퀘어_ac" panose="020B0600000101010101" pitchFamily="50" charset="-127"/>
+            </a:endParaRPr>
+          </a:p>
+        </p:txBody>
+      </p:sp>
+      <p:sp>
+        <p:nvSpPr>
+          <p:cNvPr id="22" name="TextBox 21">
+            <a:extLst>
+              <a:ext uri="{FF2B5EF4-FFF2-40B4-BE49-F238E27FC236}">
+                <a16:creationId xmlns:a16="http://schemas.microsoft.com/office/drawing/2014/main" id="{ACD8DD59-07A2-481D-8227-CCDA4F241113}"/>
+              </a:ext>
+            </a:extLst>
+          </p:cNvPr>
+          <p:cNvSpPr txBox="1"/>
+          <p:nvPr/>
+        </p:nvSpPr>
+        <p:spPr>
+          <a:xfrm>
+            <a:off x="8146152" y="5201772"/>
+            <a:ext cx="1214146" cy="360130"/>
+          </a:xfrm>
+          <a:prstGeom prst="rect">
+            <a:avLst/>
+          </a:prstGeom>
+          <a:noFill/>
+          <a:extLst>
+            <a:ext uri="{909E8E84-426E-40DD-AFC4-6F175D3DCCD1}">
+              <a14:hiddenFill xmlns:a14="http://schemas.microsoft.com/office/drawing/2010/main">
+                <a:solidFill>
+                  <a:srgbClr val="FFFFFF"/>
+                </a:solidFill>
+              </a14:hiddenFill>
+            </a:ext>
+          </a:extLst>
+        </p:spPr>
+        <p:txBody>
+          <a:bodyPr wrap="none" rtlCol="0" anchor="t">
+            <a:noAutofit/>
+          </a:bodyPr>
+          <a:lstStyle/>
+          <a:p>
+            <a:r>
+              <a:rPr lang="ko-KR" altLang="en-US" dirty="0">
+                <a:latin typeface="나눔스퀘어_ac" panose="020B0600000101010101" pitchFamily="50" charset="-127"/>
+                <a:ea typeface="나눔스퀘어_ac" panose="020B0600000101010101" pitchFamily="50" charset="-127"/>
+              </a:rPr>
+              <a:t>음악 추천 </a:t>
+            </a:r>
+            <a:r>
+              <a:rPr lang="en-US" altLang="ko-KR" dirty="0">
+                <a:latin typeface="나눔스퀘어_ac" panose="020B0600000101010101" pitchFamily="50" charset="-127"/>
+                <a:ea typeface="나눔스퀘어_ac" panose="020B0600000101010101" pitchFamily="50" charset="-127"/>
+              </a:rPr>
+              <a:t>AI</a:t>
+            </a:r>
+          </a:p>
+        </p:txBody>
+      </p:sp>
+      <p:pic>
+        <p:nvPicPr>
+          <p:cNvPr id="8" name="그림 7">
+            <a:extLst>
+              <a:ext uri="{FF2B5EF4-FFF2-40B4-BE49-F238E27FC236}">
+                <a16:creationId xmlns:a16="http://schemas.microsoft.com/office/drawing/2014/main" id="{7432060C-4FAE-466D-9CE8-7F605DD17122}"/>
+              </a:ext>
+            </a:extLst>
+          </p:cNvPr>
+          <p:cNvPicPr>
+            <a:picLocks noChangeAspect="1"/>
+          </p:cNvPicPr>
+          <p:nvPr/>
+        </p:nvPicPr>
+        <p:blipFill>
+          <a:blip r:embed="rId3"/>
+          <a:stretch>
+            <a:fillRect/>
+          </a:stretch>
+        </p:blipFill>
+        <p:spPr>
+          <a:xfrm>
+            <a:off x="6270401" y="2168554"/>
+            <a:ext cx="4476016" cy="2520892"/>
+          </a:xfrm>
+          <a:prstGeom prst="rect">
+            <a:avLst/>
+          </a:prstGeom>
+        </p:spPr>
+      </p:pic>
+    </p:spTree>
+    <p:extLst>
+      <p:ext uri="{BB962C8B-B14F-4D97-AF65-F5344CB8AC3E}">
+        <p14:creationId xmlns:p14="http://schemas.microsoft.com/office/powerpoint/2010/main" val="2046030184"/>
+      </p:ext>
+    </p:extLst>
+  </p:cSld>
+  <p:clrMapOvr>
+    <a:masterClrMapping/>
+  </p:clrMapOvr>
+</p:sld>
+</file>
+
+<file path=ppt/slides/slide34.xml><?xml version="1.0" encoding="utf-8"?>
+<p:sld xmlns:a="http://schemas.openxmlformats.org/drawingml/2006/main" xmlns:r="http://schemas.openxmlformats.org/officeDocument/2006/relationships" xmlns:p="http://schemas.openxmlformats.org/presentationml/2006/main">
+  <p:cSld>
+    <p:spTree>
+      <p:nvGrpSpPr>
+        <p:cNvPr id="1" name=""/>
+        <p:cNvGrpSpPr/>
+        <p:nvPr/>
+      </p:nvGrpSpPr>
+      <p:grpSpPr>
+        <a:xfrm>
+          <a:off x="0" y="0"/>
+          <a:ext cx="0" cy="0"/>
+          <a:chOff x="0" y="0"/>
+          <a:chExt cx="0" cy="0"/>
+        </a:xfrm>
+      </p:grpSpPr>
+      <p:cxnSp>
+        <p:nvCxnSpPr>
+          <p:cNvPr id="2" name="직선 연결선 1">
+            <a:extLst>
+              <a:ext uri="{FF2B5EF4-FFF2-40B4-BE49-F238E27FC236}">
+                <a16:creationId xmlns:a16="http://schemas.microsoft.com/office/drawing/2014/main" id="{85146C82-7A8B-4704-BD7D-8D25C8D843FF}"/>
+              </a:ext>
+            </a:extLst>
+          </p:cNvPr>
+          <p:cNvCxnSpPr>
+            <a:cxnSpLocks/>
+          </p:cNvCxnSpPr>
+          <p:nvPr/>
+        </p:nvCxnSpPr>
+        <p:spPr>
+          <a:xfrm>
+            <a:off x="251928" y="1121324"/>
+            <a:ext cx="3592284" cy="0"/>
+          </a:xfrm>
+          <a:prstGeom prst="line">
+            <a:avLst/>
+          </a:prstGeom>
+          <a:ln w="38100" cap="rnd">
+            <a:round/>
+          </a:ln>
+        </p:spPr>
+        <p:style>
+          <a:lnRef idx="1">
+            <a:schemeClr val="accent1"/>
+          </a:lnRef>
+          <a:fillRef idx="0">
+            <a:schemeClr val="accent1"/>
+          </a:fillRef>
+          <a:effectRef idx="0">
+            <a:schemeClr val="accent1"/>
+          </a:effectRef>
+          <a:fontRef idx="minor">
+            <a:schemeClr val="tx1"/>
+          </a:fontRef>
+        </p:style>
+      </p:cxnSp>
+      <p:sp>
+        <p:nvSpPr>
+          <p:cNvPr id="3" name="TextBox 2">
+            <a:extLst>
+              <a:ext uri="{FF2B5EF4-FFF2-40B4-BE49-F238E27FC236}">
+                <a16:creationId xmlns:a16="http://schemas.microsoft.com/office/drawing/2014/main" id="{42E9CE9A-AAD9-4A17-B023-C1297998B57B}"/>
+              </a:ext>
+            </a:extLst>
+          </p:cNvPr>
+          <p:cNvSpPr txBox="1"/>
+          <p:nvPr/>
+        </p:nvSpPr>
+        <p:spPr>
+          <a:xfrm>
+            <a:off x="531413" y="225987"/>
+            <a:ext cx="1377300" cy="923330"/>
+          </a:xfrm>
+          <a:prstGeom prst="rect">
+            <a:avLst/>
+          </a:prstGeom>
+          <a:noFill/>
+        </p:spPr>
+        <p:txBody>
+          <a:bodyPr wrap="none" rtlCol="0">
+            <a:noAutofit/>
+          </a:bodyPr>
+          <a:lstStyle/>
+          <a:p>
+            <a:r>
+              <a:rPr lang="ko-KR" altLang="en-US" sz="5400" dirty="0">
+                <a:latin typeface="나눔스퀘어_ac Bold" panose="020B0600000101010101" pitchFamily="50" charset="-127"/>
+                <a:ea typeface="나눔스퀘어_ac Bold" panose="020B0600000101010101" pitchFamily="50" charset="-127"/>
+              </a:rPr>
+              <a:t>마무리</a:t>
+            </a:r>
+          </a:p>
+        </p:txBody>
+      </p:sp>
+      <p:sp>
+        <p:nvSpPr>
+          <p:cNvPr id="4" name="TextBox 3">
+            <a:extLst>
+              <a:ext uri="{FF2B5EF4-FFF2-40B4-BE49-F238E27FC236}">
+                <a16:creationId xmlns:a16="http://schemas.microsoft.com/office/drawing/2014/main" id="{DB63302E-FC87-4E7D-BF56-3335BA2A2D71}"/>
+              </a:ext>
+            </a:extLst>
+          </p:cNvPr>
+          <p:cNvSpPr txBox="1"/>
+          <p:nvPr/>
+        </p:nvSpPr>
+        <p:spPr>
+          <a:xfrm>
+            <a:off x="2648534" y="661755"/>
+            <a:ext cx="1717407" cy="369332"/>
+          </a:xfrm>
+          <a:prstGeom prst="rect">
+            <a:avLst/>
+          </a:prstGeom>
+          <a:noFill/>
+        </p:spPr>
+        <p:txBody>
+          <a:bodyPr wrap="square">
+            <a:spAutoFit/>
+          </a:bodyPr>
+          <a:lstStyle/>
+          <a:p>
+            <a:r>
+              <a:rPr lang="ko-KR" altLang="en-US" dirty="0">
+                <a:latin typeface="나눔스퀘어_ac" panose="020B0600000101010101" pitchFamily="50" charset="-127"/>
+                <a:ea typeface="나눔스퀘어_ac" panose="020B0600000101010101" pitchFamily="50" charset="-127"/>
+              </a:rPr>
+              <a:t>개발환경</a:t>
+            </a:r>
+            <a:endParaRPr lang="ko-KR" altLang="en-US" dirty="0"/>
+          </a:p>
+        </p:txBody>
+      </p:sp>
+      <p:sp>
+        <p:nvSpPr>
+          <p:cNvPr id="5" name="직사각형 4">
+            <a:extLst>
+              <a:ext uri="{FF2B5EF4-FFF2-40B4-BE49-F238E27FC236}">
+                <a16:creationId xmlns:a16="http://schemas.microsoft.com/office/drawing/2014/main" id="{6B73A9FF-8FDB-4699-91FA-F68BD8FA4A73}"/>
               </a:ext>
             </a:extLst>
           </p:cNvPr>
@@ -16221,7 +16264,7 @@
         </p:nvSpPr>
         <p:spPr>
           <a:xfrm>
-            <a:off x="1115970" y="1664255"/>
+            <a:off x="1115970" y="1636263"/>
             <a:ext cx="1532564" cy="380399"/>
           </a:xfrm>
           <a:prstGeom prst="rect">
@@ -16250,8 +16293,11 @@
           <a:p>
             <a:pPr algn="ctr"/>
             <a:r>
-              <a:rPr lang="en-US" altLang="ko-KR" dirty="0"/>
-              <a:t>icon</a:t>
+              <a:rPr lang="en-US" altLang="ko-KR" dirty="0">
+                <a:latin typeface="나눔스퀘어_ac" panose="020B0600000101010101" pitchFamily="50" charset="-127"/>
+                <a:ea typeface="나눔스퀘어_ac" panose="020B0600000101010101" pitchFamily="50" charset="-127"/>
+              </a:rPr>
+              <a:t>OS</a:t>
             </a:r>
             <a:endParaRPr lang="ko-KR" altLang="en-US" dirty="0"/>
           </a:p>
@@ -16262,7 +16308,7 @@
           <p:cNvPr id="8" name="TextBox 7">
             <a:extLst>
               <a:ext uri="{FF2B5EF4-FFF2-40B4-BE49-F238E27FC236}">
-                <a16:creationId xmlns:a16="http://schemas.microsoft.com/office/drawing/2014/main" id="{1D84D28C-AFA4-4B30-A2C3-6922B81AE84E}"/>
+                <a16:creationId xmlns:a16="http://schemas.microsoft.com/office/drawing/2014/main" id="{5CBEF3C3-01A5-42E3-ACB9-D0B348BAC7C2}"/>
               </a:ext>
             </a:extLst>
           </p:cNvPr>
@@ -16271,7 +16317,7 @@
         </p:nvSpPr>
         <p:spPr>
           <a:xfrm>
-            <a:off x="2904244" y="1675322"/>
+            <a:off x="2866921" y="1636263"/>
             <a:ext cx="1717407" cy="369332"/>
           </a:xfrm>
           <a:prstGeom prst="rect">
@@ -16290,7 +16336,7 @@
                 <a:latin typeface="나눔스퀘어_ac" panose="020B0600000101010101" pitchFamily="50" charset="-127"/>
                 <a:ea typeface="나눔스퀘어_ac" panose="020B0600000101010101" pitchFamily="50" charset="-127"/>
               </a:rPr>
-              <a:t>https://www.flaticon.com/</a:t>
+              <a:t>Windows 10</a:t>
             </a:r>
             <a:endParaRPr lang="ko-KR" altLang="en-US" dirty="0"/>
           </a:p>
@@ -16298,61 +16344,19 @@
       </p:sp>
       <p:sp>
         <p:nvSpPr>
-          <p:cNvPr id="9" name="TextBox 8">
-            <a:extLst>
-              <a:ext uri="{FF2B5EF4-FFF2-40B4-BE49-F238E27FC236}">
-                <a16:creationId xmlns:a16="http://schemas.microsoft.com/office/drawing/2014/main" id="{8FCF39FB-7C33-49CC-8543-F93AC069A2C5}"/>
-              </a:ext>
-            </a:extLst>
-          </p:cNvPr>
-          <p:cNvSpPr txBox="1"/>
+          <p:cNvPr id="9" name="직사각형 8">
+            <a:extLst>
+              <a:ext uri="{FF2B5EF4-FFF2-40B4-BE49-F238E27FC236}">
+                <a16:creationId xmlns:a16="http://schemas.microsoft.com/office/drawing/2014/main" id="{92EE76EE-6AA8-4375-A3E1-0BFCE657BF4A}"/>
+              </a:ext>
+            </a:extLst>
+          </p:cNvPr>
+          <p:cNvSpPr/>
           <p:nvPr/>
         </p:nvSpPr>
         <p:spPr>
           <a:xfrm>
-            <a:off x="2904244" y="2598651"/>
-            <a:ext cx="6668964" cy="369332"/>
-          </a:xfrm>
-          <a:prstGeom prst="rect">
-            <a:avLst/>
-          </a:prstGeom>
-          <a:noFill/>
-        </p:spPr>
-        <p:txBody>
-          <a:bodyPr wrap="square">
-            <a:spAutoFit/>
-          </a:bodyPr>
-          <a:lstStyle/>
-          <a:p>
-            <a:r>
-              <a:rPr lang="ko-KR" altLang="en-US" dirty="0">
-                <a:latin typeface="나눔스퀘어_ac" panose="020B0600000101010101" pitchFamily="50" charset="-127"/>
-                <a:ea typeface="나눔스퀘어_ac" panose="020B0600000101010101" pitchFamily="50" charset="-127"/>
-              </a:rPr>
-              <a:t>https://github.com/shaked6540/YoutubePlaylistDownloader </a:t>
-            </a:r>
-            <a:endParaRPr lang="en-US" altLang="ko-KR" dirty="0">
-              <a:latin typeface="나눔스퀘어_ac" panose="020B0600000101010101" pitchFamily="50" charset="-127"/>
-              <a:ea typeface="나눔스퀘어_ac" panose="020B0600000101010101" pitchFamily="50" charset="-127"/>
-            </a:endParaRPr>
-          </a:p>
-        </p:txBody>
-      </p:sp>
-      <p:sp>
-        <p:nvSpPr>
-          <p:cNvPr id="10" name="직사각형 9">
-            <a:extLst>
-              <a:ext uri="{FF2B5EF4-FFF2-40B4-BE49-F238E27FC236}">
-                <a16:creationId xmlns:a16="http://schemas.microsoft.com/office/drawing/2014/main" id="{33271CC2-F0CD-456E-81EC-AB74221624FA}"/>
-              </a:ext>
-            </a:extLst>
-          </p:cNvPr>
-          <p:cNvSpPr/>
-          <p:nvPr/>
-        </p:nvSpPr>
-        <p:spPr>
-          <a:xfrm>
-            <a:off x="1115970" y="2598651"/>
+            <a:off x="1115970" y="2224301"/>
             <a:ext cx="1532564" cy="380399"/>
           </a:xfrm>
           <a:prstGeom prst="rect">
@@ -16381,6 +16385,1018 @@
           <a:p>
             <a:pPr algn="ctr"/>
             <a:r>
+              <a:rPr lang="en-US" altLang="ko-KR" dirty="0">
+                <a:latin typeface="나눔스퀘어_ac" panose="020B0600000101010101" pitchFamily="50" charset="-127"/>
+                <a:ea typeface="나눔스퀘어_ac" panose="020B0600000101010101" pitchFamily="50" charset="-127"/>
+              </a:rPr>
+              <a:t>Language</a:t>
+            </a:r>
+            <a:endParaRPr lang="ko-KR" altLang="en-US" dirty="0"/>
+          </a:p>
+        </p:txBody>
+      </p:sp>
+      <p:sp>
+        <p:nvSpPr>
+          <p:cNvPr id="10" name="TextBox 9">
+            <a:extLst>
+              <a:ext uri="{FF2B5EF4-FFF2-40B4-BE49-F238E27FC236}">
+                <a16:creationId xmlns:a16="http://schemas.microsoft.com/office/drawing/2014/main" id="{6FFC594B-2CEE-48C9-A673-621A71C7A53B}"/>
+              </a:ext>
+            </a:extLst>
+          </p:cNvPr>
+          <p:cNvSpPr txBox="1"/>
+          <p:nvPr/>
+        </p:nvSpPr>
+        <p:spPr>
+          <a:xfrm>
+            <a:off x="2866921" y="2224301"/>
+            <a:ext cx="1717407" cy="369332"/>
+          </a:xfrm>
+          <a:prstGeom prst="rect">
+            <a:avLst/>
+          </a:prstGeom>
+          <a:noFill/>
+        </p:spPr>
+        <p:txBody>
+          <a:bodyPr wrap="none">
+            <a:noAutofit/>
+          </a:bodyPr>
+          <a:lstStyle/>
+          <a:p>
+            <a:r>
+              <a:rPr lang="en-US" altLang="ko-KR" dirty="0">
+                <a:latin typeface="나눔스퀘어_ac" panose="020B0600000101010101" pitchFamily="50" charset="-127"/>
+                <a:ea typeface="나눔스퀘어_ac" panose="020B0600000101010101" pitchFamily="50" charset="-127"/>
+              </a:rPr>
+              <a:t>Python 3.10.9</a:t>
+            </a:r>
+            <a:endParaRPr lang="ko-KR" altLang="en-US" dirty="0"/>
+          </a:p>
+        </p:txBody>
+      </p:sp>
+      <p:sp>
+        <p:nvSpPr>
+          <p:cNvPr id="11" name="직사각형 10">
+            <a:extLst>
+              <a:ext uri="{FF2B5EF4-FFF2-40B4-BE49-F238E27FC236}">
+                <a16:creationId xmlns:a16="http://schemas.microsoft.com/office/drawing/2014/main" id="{D9A83188-2923-4DF6-B0DA-2CF7E58F65BD}"/>
+              </a:ext>
+            </a:extLst>
+          </p:cNvPr>
+          <p:cNvSpPr/>
+          <p:nvPr/>
+        </p:nvSpPr>
+        <p:spPr>
+          <a:xfrm>
+            <a:off x="1115970" y="2803830"/>
+            <a:ext cx="1532564" cy="380399"/>
+          </a:xfrm>
+          <a:prstGeom prst="rect">
+            <a:avLst/>
+          </a:prstGeom>
+        </p:spPr>
+        <p:style>
+          <a:lnRef idx="2">
+            <a:schemeClr val="accent1">
+              <a:shade val="50000"/>
+            </a:schemeClr>
+          </a:lnRef>
+          <a:fillRef idx="1">
+            <a:schemeClr val="accent1"/>
+          </a:fillRef>
+          <a:effectRef idx="0">
+            <a:schemeClr val="accent1"/>
+          </a:effectRef>
+          <a:fontRef idx="minor">
+            <a:schemeClr val="lt1"/>
+          </a:fontRef>
+        </p:style>
+        <p:txBody>
+          <a:bodyPr rtlCol="0" anchor="ctr"/>
+          <a:lstStyle/>
+          <a:p>
+            <a:pPr algn="ctr"/>
+            <a:r>
+              <a:rPr lang="en-US" altLang="ko-KR" dirty="0">
+                <a:latin typeface="나눔스퀘어_ac" panose="020B0600000101010101" pitchFamily="50" charset="-127"/>
+                <a:ea typeface="나눔스퀘어_ac" panose="020B0600000101010101" pitchFamily="50" charset="-127"/>
+              </a:rPr>
+              <a:t>IDE</a:t>
+            </a:r>
+            <a:endParaRPr lang="ko-KR" altLang="en-US" dirty="0"/>
+          </a:p>
+        </p:txBody>
+      </p:sp>
+      <p:sp>
+        <p:nvSpPr>
+          <p:cNvPr id="12" name="TextBox 11">
+            <a:extLst>
+              <a:ext uri="{FF2B5EF4-FFF2-40B4-BE49-F238E27FC236}">
+                <a16:creationId xmlns:a16="http://schemas.microsoft.com/office/drawing/2014/main" id="{CB2BE8E2-D7C9-47E7-BE97-CCAEC95C9500}"/>
+              </a:ext>
+            </a:extLst>
+          </p:cNvPr>
+          <p:cNvSpPr txBox="1"/>
+          <p:nvPr/>
+        </p:nvSpPr>
+        <p:spPr>
+          <a:xfrm>
+            <a:off x="2866921" y="2803830"/>
+            <a:ext cx="2918059" cy="380399"/>
+          </a:xfrm>
+          <a:prstGeom prst="rect">
+            <a:avLst/>
+          </a:prstGeom>
+          <a:noFill/>
+        </p:spPr>
+        <p:txBody>
+          <a:bodyPr wrap="none">
+            <a:noAutofit/>
+          </a:bodyPr>
+          <a:lstStyle/>
+          <a:p>
+            <a:r>
+              <a:rPr lang="en-US" altLang="ko-KR" dirty="0">
+                <a:latin typeface="나눔스퀘어_ac" panose="020B0600000101010101" pitchFamily="50" charset="-127"/>
+                <a:ea typeface="나눔스퀘어_ac" panose="020B0600000101010101" pitchFamily="50" charset="-127"/>
+              </a:rPr>
+              <a:t>Anaconda </a:t>
+            </a:r>
+            <a:r>
+              <a:rPr lang="en-US" altLang="ko-KR" dirty="0" err="1">
+                <a:latin typeface="나눔스퀘어_ac" panose="020B0600000101010101" pitchFamily="50" charset="-127"/>
+                <a:ea typeface="나눔스퀘어_ac" panose="020B0600000101010101" pitchFamily="50" charset="-127"/>
+              </a:rPr>
+              <a:t>jupyter</a:t>
+            </a:r>
+            <a:r>
+              <a:rPr lang="en-US" altLang="ko-KR" dirty="0">
+                <a:latin typeface="나눔스퀘어_ac" panose="020B0600000101010101" pitchFamily="50" charset="-127"/>
+                <a:ea typeface="나눔스퀘어_ac" panose="020B0600000101010101" pitchFamily="50" charset="-127"/>
+              </a:rPr>
+              <a:t> notebook</a:t>
+            </a:r>
+            <a:endParaRPr lang="ko-KR" altLang="en-US" dirty="0"/>
+          </a:p>
+        </p:txBody>
+      </p:sp>
+      <p:sp>
+        <p:nvSpPr>
+          <p:cNvPr id="13" name="직사각형 12">
+            <a:extLst>
+              <a:ext uri="{FF2B5EF4-FFF2-40B4-BE49-F238E27FC236}">
+                <a16:creationId xmlns:a16="http://schemas.microsoft.com/office/drawing/2014/main" id="{94DE0678-0945-4689-8D1E-23E964AFD115}"/>
+              </a:ext>
+            </a:extLst>
+          </p:cNvPr>
+          <p:cNvSpPr/>
+          <p:nvPr/>
+        </p:nvSpPr>
+        <p:spPr>
+          <a:xfrm>
+            <a:off x="1115970" y="3383359"/>
+            <a:ext cx="1532564" cy="380399"/>
+          </a:xfrm>
+          <a:prstGeom prst="rect">
+            <a:avLst/>
+          </a:prstGeom>
+        </p:spPr>
+        <p:style>
+          <a:lnRef idx="2">
+            <a:schemeClr val="accent1">
+              <a:shade val="50000"/>
+            </a:schemeClr>
+          </a:lnRef>
+          <a:fillRef idx="1">
+            <a:schemeClr val="accent1"/>
+          </a:fillRef>
+          <a:effectRef idx="0">
+            <a:schemeClr val="accent1"/>
+          </a:effectRef>
+          <a:fontRef idx="minor">
+            <a:schemeClr val="lt1"/>
+          </a:fontRef>
+        </p:style>
+        <p:txBody>
+          <a:bodyPr rtlCol="0" anchor="ctr"/>
+          <a:lstStyle/>
+          <a:p>
+            <a:pPr algn="ctr"/>
+            <a:r>
+              <a:rPr lang="en-US" altLang="ko-KR" dirty="0">
+                <a:latin typeface="나눔스퀘어_ac" panose="020B0600000101010101" pitchFamily="50" charset="-127"/>
+                <a:ea typeface="나눔스퀘어_ac" panose="020B0600000101010101" pitchFamily="50" charset="-127"/>
+              </a:rPr>
+              <a:t>Open Source</a:t>
+            </a:r>
+            <a:endParaRPr lang="ko-KR" altLang="en-US" dirty="0"/>
+          </a:p>
+        </p:txBody>
+      </p:sp>
+      <p:sp>
+        <p:nvSpPr>
+          <p:cNvPr id="14" name="TextBox 13">
+            <a:extLst>
+              <a:ext uri="{FF2B5EF4-FFF2-40B4-BE49-F238E27FC236}">
+                <a16:creationId xmlns:a16="http://schemas.microsoft.com/office/drawing/2014/main" id="{FC670C26-3EA9-4825-B12D-7C1E3C21681A}"/>
+              </a:ext>
+            </a:extLst>
+          </p:cNvPr>
+          <p:cNvSpPr txBox="1"/>
+          <p:nvPr/>
+        </p:nvSpPr>
+        <p:spPr>
+          <a:xfrm>
+            <a:off x="2866921" y="3383359"/>
+            <a:ext cx="2918059" cy="380399"/>
+          </a:xfrm>
+          <a:prstGeom prst="rect">
+            <a:avLst/>
+          </a:prstGeom>
+          <a:noFill/>
+        </p:spPr>
+        <p:txBody>
+          <a:bodyPr wrap="none">
+            <a:noAutofit/>
+          </a:bodyPr>
+          <a:lstStyle/>
+          <a:p>
+            <a:r>
+              <a:rPr lang="en-US" altLang="ko-KR" dirty="0" err="1">
+                <a:latin typeface="나눔스퀘어_ac" panose="020B0600000101010101" pitchFamily="50" charset="-127"/>
+                <a:ea typeface="나눔스퀘어_ac" panose="020B0600000101010101" pitchFamily="50" charset="-127"/>
+              </a:rPr>
+              <a:t>Librosa</a:t>
+            </a:r>
+            <a:r>
+              <a:rPr lang="en-US" altLang="ko-KR" dirty="0">
+                <a:latin typeface="나눔스퀘어_ac" panose="020B0600000101010101" pitchFamily="50" charset="-127"/>
+                <a:ea typeface="나눔스퀘어_ac" panose="020B0600000101010101" pitchFamily="50" charset="-127"/>
+              </a:rPr>
+              <a:t> 0.10.2			(</a:t>
+            </a:r>
+            <a:r>
+              <a:rPr lang="ko-KR" altLang="en-US" dirty="0">
+                <a:latin typeface="나눔스퀘어_ac" panose="020B0600000101010101" pitchFamily="50" charset="-127"/>
+                <a:ea typeface="나눔스퀘어_ac" panose="020B0600000101010101" pitchFamily="50" charset="-127"/>
+              </a:rPr>
+              <a:t>음악 데이터 특징 벡터화 라이브러리</a:t>
+            </a:r>
+            <a:r>
+              <a:rPr lang="en-US" altLang="ko-KR" dirty="0">
+                <a:latin typeface="나눔스퀘어_ac" panose="020B0600000101010101" pitchFamily="50" charset="-127"/>
+                <a:ea typeface="나눔스퀘어_ac" panose="020B0600000101010101" pitchFamily="50" charset="-127"/>
+              </a:rPr>
+              <a:t>)</a:t>
+            </a:r>
+          </a:p>
+          <a:p>
+            <a:r>
+              <a:rPr lang="en-US" altLang="ko-KR" dirty="0" err="1">
+                <a:latin typeface="나눔스퀘어_ac" panose="020B0600000101010101" pitchFamily="50" charset="-127"/>
+                <a:ea typeface="나눔스퀘어_ac" panose="020B0600000101010101" pitchFamily="50" charset="-127"/>
+              </a:rPr>
+              <a:t>Numpy</a:t>
+            </a:r>
+            <a:r>
+              <a:rPr lang="en-US" altLang="ko-KR" dirty="0">
+                <a:latin typeface="나눔스퀘어_ac" panose="020B0600000101010101" pitchFamily="50" charset="-127"/>
+                <a:ea typeface="나눔스퀘어_ac" panose="020B0600000101010101" pitchFamily="50" charset="-127"/>
+              </a:rPr>
+              <a:t> 1.23.5			(</a:t>
+            </a:r>
+            <a:r>
+              <a:rPr lang="ko-KR" altLang="en-US" dirty="0">
+                <a:latin typeface="나눔스퀘어_ac" panose="020B0600000101010101" pitchFamily="50" charset="-127"/>
+                <a:ea typeface="나눔스퀘어_ac" panose="020B0600000101010101" pitchFamily="50" charset="-127"/>
+              </a:rPr>
+              <a:t>학습용 데이터 생성 및 데이터 </a:t>
+            </a:r>
+            <a:r>
+              <a:rPr lang="ko-KR" altLang="en-US" dirty="0" err="1">
+                <a:latin typeface="나눔스퀘어_ac" panose="020B0600000101010101" pitchFamily="50" charset="-127"/>
+                <a:ea typeface="나눔스퀘어_ac" panose="020B0600000101010101" pitchFamily="50" charset="-127"/>
+              </a:rPr>
+              <a:t>전처리</a:t>
+            </a:r>
+            <a:r>
+              <a:rPr lang="en-US" altLang="ko-KR" dirty="0">
+                <a:latin typeface="나눔스퀘어_ac" panose="020B0600000101010101" pitchFamily="50" charset="-127"/>
+                <a:ea typeface="나눔스퀘어_ac" panose="020B0600000101010101" pitchFamily="50" charset="-127"/>
+              </a:rPr>
+              <a:t>)</a:t>
+            </a:r>
+          </a:p>
+          <a:p>
+            <a:r>
+              <a:rPr lang="en-US" altLang="ko-KR" dirty="0">
+                <a:latin typeface="나눔스퀘어_ac" panose="020B0600000101010101" pitchFamily="50" charset="-127"/>
+                <a:ea typeface="나눔스퀘어_ac" panose="020B0600000101010101" pitchFamily="50" charset="-127"/>
+              </a:rPr>
+              <a:t>Pandas 1.5.3			(</a:t>
+            </a:r>
+            <a:r>
+              <a:rPr lang="ko-KR" altLang="en-US" dirty="0">
+                <a:latin typeface="나눔스퀘어_ac" panose="020B0600000101010101" pitchFamily="50" charset="-127"/>
+                <a:ea typeface="나눔스퀘어_ac" panose="020B0600000101010101" pitchFamily="50" charset="-127"/>
+              </a:rPr>
+              <a:t>데이터 </a:t>
+            </a:r>
+            <a:r>
+              <a:rPr lang="ko-KR" altLang="en-US" dirty="0" err="1">
+                <a:latin typeface="나눔스퀘어_ac" panose="020B0600000101010101" pitchFamily="50" charset="-127"/>
+                <a:ea typeface="나눔스퀘어_ac" panose="020B0600000101010101" pitchFamily="50" charset="-127"/>
+              </a:rPr>
+              <a:t>전처리</a:t>
+            </a:r>
+            <a:r>
+              <a:rPr lang="en-US" altLang="ko-KR" dirty="0">
+                <a:latin typeface="나눔스퀘어_ac" panose="020B0600000101010101" pitchFamily="50" charset="-127"/>
+                <a:ea typeface="나눔스퀘어_ac" panose="020B0600000101010101" pitchFamily="50" charset="-127"/>
+              </a:rPr>
+              <a:t>)</a:t>
+            </a:r>
+          </a:p>
+          <a:p>
+            <a:r>
+              <a:rPr lang="en-US" altLang="ko-KR" dirty="0" err="1">
+                <a:latin typeface="나눔스퀘어_ac" panose="020B0600000101010101" pitchFamily="50" charset="-127"/>
+                <a:ea typeface="나눔스퀘어_ac" panose="020B0600000101010101" pitchFamily="50" charset="-127"/>
+              </a:rPr>
+              <a:t>Tensorflow</a:t>
+            </a:r>
+            <a:r>
+              <a:rPr lang="en-US" altLang="ko-KR" dirty="0">
+                <a:latin typeface="나눔스퀘어_ac" panose="020B0600000101010101" pitchFamily="50" charset="-127"/>
+                <a:ea typeface="나눔스퀘어_ac" panose="020B0600000101010101" pitchFamily="50" charset="-127"/>
+              </a:rPr>
+              <a:t> 2.10.0		(</a:t>
+            </a:r>
+            <a:r>
+              <a:rPr lang="ko-KR" altLang="en-US" dirty="0">
+                <a:latin typeface="나눔스퀘어_ac" panose="020B0600000101010101" pitchFamily="50" charset="-127"/>
+                <a:ea typeface="나눔스퀘어_ac" panose="020B0600000101010101" pitchFamily="50" charset="-127"/>
+              </a:rPr>
+              <a:t>인공지능 학습</a:t>
+            </a:r>
+            <a:r>
+              <a:rPr lang="en-US" altLang="ko-KR" dirty="0">
+                <a:latin typeface="나눔스퀘어_ac" panose="020B0600000101010101" pitchFamily="50" charset="-127"/>
+                <a:ea typeface="나눔스퀘어_ac" panose="020B0600000101010101" pitchFamily="50" charset="-127"/>
+              </a:rPr>
+              <a:t>),</a:t>
+            </a:r>
+          </a:p>
+          <a:p>
+            <a:r>
+              <a:rPr lang="en-US" altLang="ko-KR" dirty="0">
+                <a:latin typeface="나눔스퀘어_ac" panose="020B0600000101010101" pitchFamily="50" charset="-127"/>
+                <a:ea typeface="나눔스퀘어_ac" panose="020B0600000101010101" pitchFamily="50" charset="-127"/>
+              </a:rPr>
+              <a:t>Matplotlib 3.7.0, Seaborn 0.12.2	(</a:t>
+            </a:r>
+            <a:r>
+              <a:rPr lang="ko-KR" altLang="en-US" dirty="0">
+                <a:latin typeface="나눔스퀘어_ac" panose="020B0600000101010101" pitchFamily="50" charset="-127"/>
+                <a:ea typeface="나눔스퀘어_ac" panose="020B0600000101010101" pitchFamily="50" charset="-127"/>
+              </a:rPr>
+              <a:t>데이터 시각화</a:t>
+            </a:r>
+            <a:r>
+              <a:rPr lang="en-US" altLang="ko-KR" dirty="0">
+                <a:latin typeface="나눔스퀘어_ac" panose="020B0600000101010101" pitchFamily="50" charset="-127"/>
+                <a:ea typeface="나눔스퀘어_ac" panose="020B0600000101010101" pitchFamily="50" charset="-127"/>
+              </a:rPr>
+              <a:t>)</a:t>
+            </a:r>
+          </a:p>
+        </p:txBody>
+      </p:sp>
+      <p:sp>
+        <p:nvSpPr>
+          <p:cNvPr id="16" name="TextBox 15">
+            <a:extLst>
+              <a:ext uri="{FF2B5EF4-FFF2-40B4-BE49-F238E27FC236}">
+                <a16:creationId xmlns:a16="http://schemas.microsoft.com/office/drawing/2014/main" id="{DA85497D-13C2-4839-B24D-3F1916273EC6}"/>
+              </a:ext>
+            </a:extLst>
+          </p:cNvPr>
+          <p:cNvSpPr txBox="1"/>
+          <p:nvPr/>
+        </p:nvSpPr>
+        <p:spPr>
+          <a:xfrm>
+            <a:off x="2866920" y="5332331"/>
+            <a:ext cx="6584989" cy="646331"/>
+          </a:xfrm>
+          <a:prstGeom prst="rect">
+            <a:avLst/>
+          </a:prstGeom>
+          <a:noFill/>
+        </p:spPr>
+        <p:txBody>
+          <a:bodyPr wrap="square">
+            <a:spAutoFit/>
+          </a:bodyPr>
+          <a:lstStyle/>
+          <a:p>
+            <a:r>
+              <a:rPr lang="ko-KR" altLang="en-US" dirty="0">
+                <a:latin typeface="나눔스퀘어_ac" panose="020B0600000101010101" pitchFamily="50" charset="-127"/>
+                <a:ea typeface="나눔스퀘어_ac" panose="020B0600000101010101" pitchFamily="50" charset="-127"/>
+              </a:rPr>
+              <a:t>shaked6540/YoutubePlaylistDownloader </a:t>
+            </a:r>
+            <a:endParaRPr lang="en-US" altLang="ko-KR" dirty="0">
+              <a:latin typeface="나눔스퀘어_ac" panose="020B0600000101010101" pitchFamily="50" charset="-127"/>
+              <a:ea typeface="나눔스퀘어_ac" panose="020B0600000101010101" pitchFamily="50" charset="-127"/>
+            </a:endParaRPr>
+          </a:p>
+          <a:p>
+            <a:r>
+              <a:rPr lang="en-US" altLang="ko-KR" dirty="0">
+                <a:latin typeface="나눔스퀘어_ac" panose="020B0600000101010101" pitchFamily="50" charset="-127"/>
+                <a:ea typeface="나눔스퀘어_ac" panose="020B0600000101010101" pitchFamily="50" charset="-127"/>
+              </a:rPr>
+              <a:t>- </a:t>
+            </a:r>
+            <a:r>
+              <a:rPr lang="ko-KR" altLang="en-US" dirty="0">
+                <a:latin typeface="나눔스퀘어_ac" panose="020B0600000101010101" pitchFamily="50" charset="-127"/>
+                <a:ea typeface="나눔스퀘어_ac" panose="020B0600000101010101" pitchFamily="50" charset="-127"/>
+              </a:rPr>
+              <a:t>재생목록 기반 </a:t>
+            </a:r>
+            <a:r>
+              <a:rPr lang="en-US" altLang="ko-KR" dirty="0">
+                <a:latin typeface="나눔스퀘어_ac" panose="020B0600000101010101" pitchFamily="50" charset="-127"/>
+                <a:ea typeface="나눔스퀘어_ac" panose="020B0600000101010101" pitchFamily="50" charset="-127"/>
+              </a:rPr>
+              <a:t>wav </a:t>
+            </a:r>
+            <a:r>
+              <a:rPr lang="ko-KR" altLang="en-US" dirty="0">
+                <a:latin typeface="나눔스퀘어_ac" panose="020B0600000101010101" pitchFamily="50" charset="-127"/>
+                <a:ea typeface="나눔스퀘어_ac" panose="020B0600000101010101" pitchFamily="50" charset="-127"/>
+              </a:rPr>
+              <a:t>파일 다운로드</a:t>
+            </a:r>
+          </a:p>
+        </p:txBody>
+      </p:sp>
+      <p:sp>
+        <p:nvSpPr>
+          <p:cNvPr id="17" name="직사각형 16">
+            <a:extLst>
+              <a:ext uri="{FF2B5EF4-FFF2-40B4-BE49-F238E27FC236}">
+                <a16:creationId xmlns:a16="http://schemas.microsoft.com/office/drawing/2014/main" id="{F4D3978C-7720-4C30-9A62-3D1EE0EA608D}"/>
+              </a:ext>
+            </a:extLst>
+          </p:cNvPr>
+          <p:cNvSpPr/>
+          <p:nvPr/>
+        </p:nvSpPr>
+        <p:spPr>
+          <a:xfrm>
+            <a:off x="1115970" y="5275098"/>
+            <a:ext cx="1532564" cy="380399"/>
+          </a:xfrm>
+          <a:prstGeom prst="rect">
+            <a:avLst/>
+          </a:prstGeom>
+        </p:spPr>
+        <p:style>
+          <a:lnRef idx="2">
+            <a:schemeClr val="accent1">
+              <a:shade val="50000"/>
+            </a:schemeClr>
+          </a:lnRef>
+          <a:fillRef idx="1">
+            <a:schemeClr val="accent1"/>
+          </a:fillRef>
+          <a:effectRef idx="0">
+            <a:schemeClr val="accent1"/>
+          </a:effectRef>
+          <a:fontRef idx="minor">
+            <a:schemeClr val="lt1"/>
+          </a:fontRef>
+        </p:style>
+        <p:txBody>
+          <a:bodyPr rtlCol="0" anchor="ctr"/>
+          <a:lstStyle/>
+          <a:p>
+            <a:pPr algn="ctr"/>
+            <a:r>
+              <a:rPr lang="en-US" altLang="ko-KR" dirty="0">
+                <a:latin typeface="나눔스퀘어_ac" panose="020B0600000101010101" pitchFamily="50" charset="-127"/>
+                <a:ea typeface="나눔스퀘어_ac" panose="020B0600000101010101" pitchFamily="50" charset="-127"/>
+              </a:rPr>
+              <a:t>Open Source</a:t>
+            </a:r>
+            <a:endParaRPr lang="ko-KR" altLang="en-US" dirty="0"/>
+          </a:p>
+        </p:txBody>
+      </p:sp>
+    </p:spTree>
+    <p:extLst>
+      <p:ext uri="{BB962C8B-B14F-4D97-AF65-F5344CB8AC3E}">
+        <p14:creationId xmlns:p14="http://schemas.microsoft.com/office/powerpoint/2010/main" val="3115420681"/>
+      </p:ext>
+    </p:extLst>
+  </p:cSld>
+  <p:clrMapOvr>
+    <a:masterClrMapping/>
+  </p:clrMapOvr>
+</p:sld>
+</file>
+
+<file path=ppt/slides/slide35.xml><?xml version="1.0" encoding="utf-8"?>
+<p:sld xmlns:a="http://schemas.openxmlformats.org/drawingml/2006/main" xmlns:r="http://schemas.openxmlformats.org/officeDocument/2006/relationships" xmlns:p="http://schemas.openxmlformats.org/presentationml/2006/main">
+  <p:cSld>
+    <p:spTree>
+      <p:nvGrpSpPr>
+        <p:cNvPr id="1" name=""/>
+        <p:cNvGrpSpPr/>
+        <p:nvPr/>
+      </p:nvGrpSpPr>
+      <p:grpSpPr>
+        <a:xfrm>
+          <a:off x="0" y="0"/>
+          <a:ext cx="0" cy="0"/>
+          <a:chOff x="0" y="0"/>
+          <a:chExt cx="0" cy="0"/>
+        </a:xfrm>
+      </p:grpSpPr>
+      <p:pic>
+        <p:nvPicPr>
+          <p:cNvPr id="5" name="그림 4">
+            <a:extLst>
+              <a:ext uri="{FF2B5EF4-FFF2-40B4-BE49-F238E27FC236}">
+                <a16:creationId xmlns:a16="http://schemas.microsoft.com/office/drawing/2014/main" id="{94DC64E7-9698-43FD-9A27-B8AAB1693E20}"/>
+              </a:ext>
+            </a:extLst>
+          </p:cNvPr>
+          <p:cNvPicPr>
+            <a:picLocks noChangeAspect="1"/>
+          </p:cNvPicPr>
+          <p:nvPr/>
+        </p:nvPicPr>
+        <p:blipFill>
+          <a:blip r:embed="rId2"/>
+          <a:stretch>
+            <a:fillRect/>
+          </a:stretch>
+        </p:blipFill>
+        <p:spPr>
+          <a:xfrm>
+            <a:off x="1673289" y="997094"/>
+            <a:ext cx="8845421" cy="5623069"/>
+          </a:xfrm>
+          <a:prstGeom prst="rect">
+            <a:avLst/>
+          </a:prstGeom>
+        </p:spPr>
+      </p:pic>
+      <p:cxnSp>
+        <p:nvCxnSpPr>
+          <p:cNvPr id="2" name="직선 연결선 1">
+            <a:extLst>
+              <a:ext uri="{FF2B5EF4-FFF2-40B4-BE49-F238E27FC236}">
+                <a16:creationId xmlns:a16="http://schemas.microsoft.com/office/drawing/2014/main" id="{85146C82-7A8B-4704-BD7D-8D25C8D843FF}"/>
+              </a:ext>
+            </a:extLst>
+          </p:cNvPr>
+          <p:cNvCxnSpPr>
+            <a:cxnSpLocks/>
+          </p:cNvCxnSpPr>
+          <p:nvPr/>
+        </p:nvCxnSpPr>
+        <p:spPr>
+          <a:xfrm>
+            <a:off x="251928" y="1121324"/>
+            <a:ext cx="3592284" cy="0"/>
+          </a:xfrm>
+          <a:prstGeom prst="line">
+            <a:avLst/>
+          </a:prstGeom>
+          <a:ln w="38100" cap="rnd">
+            <a:round/>
+          </a:ln>
+        </p:spPr>
+        <p:style>
+          <a:lnRef idx="1">
+            <a:schemeClr val="accent1"/>
+          </a:lnRef>
+          <a:fillRef idx="0">
+            <a:schemeClr val="accent1"/>
+          </a:fillRef>
+          <a:effectRef idx="0">
+            <a:schemeClr val="accent1"/>
+          </a:effectRef>
+          <a:fontRef idx="minor">
+            <a:schemeClr val="tx1"/>
+          </a:fontRef>
+        </p:style>
+      </p:cxnSp>
+      <p:sp>
+        <p:nvSpPr>
+          <p:cNvPr id="3" name="TextBox 2">
+            <a:extLst>
+              <a:ext uri="{FF2B5EF4-FFF2-40B4-BE49-F238E27FC236}">
+                <a16:creationId xmlns:a16="http://schemas.microsoft.com/office/drawing/2014/main" id="{42E9CE9A-AAD9-4A17-B023-C1297998B57B}"/>
+              </a:ext>
+            </a:extLst>
+          </p:cNvPr>
+          <p:cNvSpPr txBox="1"/>
+          <p:nvPr/>
+        </p:nvSpPr>
+        <p:spPr>
+          <a:xfrm>
+            <a:off x="531413" y="225987"/>
+            <a:ext cx="1377300" cy="923330"/>
+          </a:xfrm>
+          <a:prstGeom prst="rect">
+            <a:avLst/>
+          </a:prstGeom>
+          <a:noFill/>
+        </p:spPr>
+        <p:txBody>
+          <a:bodyPr wrap="none" rtlCol="0">
+            <a:noAutofit/>
+          </a:bodyPr>
+          <a:lstStyle/>
+          <a:p>
+            <a:r>
+              <a:rPr lang="ko-KR" altLang="en-US" sz="5400" dirty="0">
+                <a:latin typeface="나눔스퀘어_ac Bold" panose="020B0600000101010101" pitchFamily="50" charset="-127"/>
+                <a:ea typeface="나눔스퀘어_ac Bold" panose="020B0600000101010101" pitchFamily="50" charset="-127"/>
+              </a:rPr>
+              <a:t>마무리</a:t>
+            </a:r>
+          </a:p>
+        </p:txBody>
+      </p:sp>
+      <p:sp>
+        <p:nvSpPr>
+          <p:cNvPr id="4" name="TextBox 3">
+            <a:extLst>
+              <a:ext uri="{FF2B5EF4-FFF2-40B4-BE49-F238E27FC236}">
+                <a16:creationId xmlns:a16="http://schemas.microsoft.com/office/drawing/2014/main" id="{DB63302E-FC87-4E7D-BF56-3335BA2A2D71}"/>
+              </a:ext>
+            </a:extLst>
+          </p:cNvPr>
+          <p:cNvSpPr txBox="1"/>
+          <p:nvPr/>
+        </p:nvSpPr>
+        <p:spPr>
+          <a:xfrm>
+            <a:off x="2648534" y="661755"/>
+            <a:ext cx="1717407" cy="369332"/>
+          </a:xfrm>
+          <a:prstGeom prst="rect">
+            <a:avLst/>
+          </a:prstGeom>
+          <a:noFill/>
+        </p:spPr>
+        <p:txBody>
+          <a:bodyPr wrap="square">
+            <a:spAutoFit/>
+          </a:bodyPr>
+          <a:lstStyle/>
+          <a:p>
+            <a:r>
+              <a:rPr lang="ko-KR" altLang="en-US" dirty="0">
+                <a:latin typeface="나눔스퀘어_ac" panose="020B0600000101010101" pitchFamily="50" charset="-127"/>
+                <a:ea typeface="나눔스퀘어_ac" panose="020B0600000101010101" pitchFamily="50" charset="-127"/>
+              </a:rPr>
+              <a:t>개발일정</a:t>
+            </a:r>
+            <a:endParaRPr lang="ko-KR" altLang="en-US" dirty="0"/>
+          </a:p>
+        </p:txBody>
+      </p:sp>
+    </p:spTree>
+    <p:extLst>
+      <p:ext uri="{BB962C8B-B14F-4D97-AF65-F5344CB8AC3E}">
+        <p14:creationId xmlns:p14="http://schemas.microsoft.com/office/powerpoint/2010/main" val="3760257640"/>
+      </p:ext>
+    </p:extLst>
+  </p:cSld>
+  <p:clrMapOvr>
+    <a:masterClrMapping/>
+  </p:clrMapOvr>
+</p:sld>
+</file>
+
+<file path=ppt/slides/slide36.xml><?xml version="1.0" encoding="utf-8"?>
+<p:sld xmlns:a="http://schemas.openxmlformats.org/drawingml/2006/main" xmlns:r="http://schemas.openxmlformats.org/officeDocument/2006/relationships" xmlns:p="http://schemas.openxmlformats.org/presentationml/2006/main">
+  <p:cSld>
+    <p:spTree>
+      <p:nvGrpSpPr>
+        <p:cNvPr id="1" name=""/>
+        <p:cNvGrpSpPr/>
+        <p:nvPr/>
+      </p:nvGrpSpPr>
+      <p:grpSpPr>
+        <a:xfrm>
+          <a:off x="0" y="0"/>
+          <a:ext cx="0" cy="0"/>
+          <a:chOff x="0" y="0"/>
+          <a:chExt cx="0" cy="0"/>
+        </a:xfrm>
+      </p:grpSpPr>
+      <p:cxnSp>
+        <p:nvCxnSpPr>
+          <p:cNvPr id="2" name="직선 연결선 1">
+            <a:extLst>
+              <a:ext uri="{FF2B5EF4-FFF2-40B4-BE49-F238E27FC236}">
+                <a16:creationId xmlns:a16="http://schemas.microsoft.com/office/drawing/2014/main" id="{85146C82-7A8B-4704-BD7D-8D25C8D843FF}"/>
+              </a:ext>
+            </a:extLst>
+          </p:cNvPr>
+          <p:cNvCxnSpPr>
+            <a:cxnSpLocks/>
+          </p:cNvCxnSpPr>
+          <p:nvPr/>
+        </p:nvCxnSpPr>
+        <p:spPr>
+          <a:xfrm>
+            <a:off x="251928" y="1121324"/>
+            <a:ext cx="3592284" cy="0"/>
+          </a:xfrm>
+          <a:prstGeom prst="line">
+            <a:avLst/>
+          </a:prstGeom>
+          <a:ln w="38100" cap="rnd">
+            <a:round/>
+          </a:ln>
+        </p:spPr>
+        <p:style>
+          <a:lnRef idx="1">
+            <a:schemeClr val="accent1"/>
+          </a:lnRef>
+          <a:fillRef idx="0">
+            <a:schemeClr val="accent1"/>
+          </a:fillRef>
+          <a:effectRef idx="0">
+            <a:schemeClr val="accent1"/>
+          </a:effectRef>
+          <a:fontRef idx="minor">
+            <a:schemeClr val="tx1"/>
+          </a:fontRef>
+        </p:style>
+      </p:cxnSp>
+      <p:sp>
+        <p:nvSpPr>
+          <p:cNvPr id="3" name="TextBox 2">
+            <a:extLst>
+              <a:ext uri="{FF2B5EF4-FFF2-40B4-BE49-F238E27FC236}">
+                <a16:creationId xmlns:a16="http://schemas.microsoft.com/office/drawing/2014/main" id="{42E9CE9A-AAD9-4A17-B023-C1297998B57B}"/>
+              </a:ext>
+            </a:extLst>
+          </p:cNvPr>
+          <p:cNvSpPr txBox="1"/>
+          <p:nvPr/>
+        </p:nvSpPr>
+        <p:spPr>
+          <a:xfrm>
+            <a:off x="531413" y="225987"/>
+            <a:ext cx="1377300" cy="923330"/>
+          </a:xfrm>
+          <a:prstGeom prst="rect">
+            <a:avLst/>
+          </a:prstGeom>
+          <a:noFill/>
+        </p:spPr>
+        <p:txBody>
+          <a:bodyPr wrap="none" rtlCol="0">
+            <a:noAutofit/>
+          </a:bodyPr>
+          <a:lstStyle/>
+          <a:p>
+            <a:r>
+              <a:rPr lang="ko-KR" altLang="en-US" sz="5400" dirty="0">
+                <a:latin typeface="나눔스퀘어_ac Bold" panose="020B0600000101010101" pitchFamily="50" charset="-127"/>
+                <a:ea typeface="나눔스퀘어_ac Bold" panose="020B0600000101010101" pitchFamily="50" charset="-127"/>
+              </a:rPr>
+              <a:t>마무리</a:t>
+            </a:r>
+          </a:p>
+        </p:txBody>
+      </p:sp>
+      <p:sp>
+        <p:nvSpPr>
+          <p:cNvPr id="4" name="TextBox 3">
+            <a:extLst>
+              <a:ext uri="{FF2B5EF4-FFF2-40B4-BE49-F238E27FC236}">
+                <a16:creationId xmlns:a16="http://schemas.microsoft.com/office/drawing/2014/main" id="{DB63302E-FC87-4E7D-BF56-3335BA2A2D71}"/>
+              </a:ext>
+            </a:extLst>
+          </p:cNvPr>
+          <p:cNvSpPr txBox="1"/>
+          <p:nvPr/>
+        </p:nvSpPr>
+        <p:spPr>
+          <a:xfrm>
+            <a:off x="2648534" y="661755"/>
+            <a:ext cx="1717407" cy="369332"/>
+          </a:xfrm>
+          <a:prstGeom prst="rect">
+            <a:avLst/>
+          </a:prstGeom>
+          <a:noFill/>
+        </p:spPr>
+        <p:txBody>
+          <a:bodyPr wrap="square">
+            <a:spAutoFit/>
+          </a:bodyPr>
+          <a:lstStyle/>
+          <a:p>
+            <a:r>
+              <a:rPr lang="ko-KR" altLang="en-US" dirty="0">
+                <a:latin typeface="나눔스퀘어_ac" panose="020B0600000101010101" pitchFamily="50" charset="-127"/>
+                <a:ea typeface="나눔스퀘어_ac" panose="020B0600000101010101" pitchFamily="50" charset="-127"/>
+              </a:rPr>
+              <a:t>참조</a:t>
+            </a:r>
+            <a:endParaRPr lang="ko-KR" altLang="en-US" dirty="0"/>
+          </a:p>
+        </p:txBody>
+      </p:sp>
+      <p:sp>
+        <p:nvSpPr>
+          <p:cNvPr id="6" name="직사각형 5">
+            <a:extLst>
+              <a:ext uri="{FF2B5EF4-FFF2-40B4-BE49-F238E27FC236}">
+                <a16:creationId xmlns:a16="http://schemas.microsoft.com/office/drawing/2014/main" id="{C2278A7F-CFB6-4CED-A313-AF88AFD27A85}"/>
+              </a:ext>
+            </a:extLst>
+          </p:cNvPr>
+          <p:cNvSpPr/>
+          <p:nvPr/>
+        </p:nvSpPr>
+        <p:spPr>
+          <a:xfrm>
+            <a:off x="1115970" y="1664255"/>
+            <a:ext cx="1532564" cy="380399"/>
+          </a:xfrm>
+          <a:prstGeom prst="rect">
+            <a:avLst/>
+          </a:prstGeom>
+        </p:spPr>
+        <p:style>
+          <a:lnRef idx="2">
+            <a:schemeClr val="accent1">
+              <a:shade val="50000"/>
+            </a:schemeClr>
+          </a:lnRef>
+          <a:fillRef idx="1">
+            <a:schemeClr val="accent1"/>
+          </a:fillRef>
+          <a:effectRef idx="0">
+            <a:schemeClr val="accent1"/>
+          </a:effectRef>
+          <a:fontRef idx="minor">
+            <a:schemeClr val="lt1"/>
+          </a:fontRef>
+        </p:style>
+        <p:txBody>
+          <a:bodyPr rtlCol="0" anchor="ctr"/>
+          <a:lstStyle/>
+          <a:p>
+            <a:pPr algn="ctr"/>
+            <a:r>
+              <a:rPr lang="en-US" altLang="ko-KR" dirty="0"/>
+              <a:t>icon</a:t>
+            </a:r>
+            <a:endParaRPr lang="ko-KR" altLang="en-US" dirty="0"/>
+          </a:p>
+        </p:txBody>
+      </p:sp>
+      <p:sp>
+        <p:nvSpPr>
+          <p:cNvPr id="8" name="TextBox 7">
+            <a:extLst>
+              <a:ext uri="{FF2B5EF4-FFF2-40B4-BE49-F238E27FC236}">
+                <a16:creationId xmlns:a16="http://schemas.microsoft.com/office/drawing/2014/main" id="{1D84D28C-AFA4-4B30-A2C3-6922B81AE84E}"/>
+              </a:ext>
+            </a:extLst>
+          </p:cNvPr>
+          <p:cNvSpPr txBox="1"/>
+          <p:nvPr/>
+        </p:nvSpPr>
+        <p:spPr>
+          <a:xfrm>
+            <a:off x="2904244" y="1675322"/>
+            <a:ext cx="1717407" cy="369332"/>
+          </a:xfrm>
+          <a:prstGeom prst="rect">
+            <a:avLst/>
+          </a:prstGeom>
+          <a:noFill/>
+        </p:spPr>
+        <p:txBody>
+          <a:bodyPr wrap="none">
+            <a:noAutofit/>
+          </a:bodyPr>
+          <a:lstStyle/>
+          <a:p>
+            <a:r>
+              <a:rPr lang="en-US" altLang="ko-KR" dirty="0">
+                <a:latin typeface="나눔스퀘어_ac" panose="020B0600000101010101" pitchFamily="50" charset="-127"/>
+                <a:ea typeface="나눔스퀘어_ac" panose="020B0600000101010101" pitchFamily="50" charset="-127"/>
+              </a:rPr>
+              <a:t>https://www.flaticon.com/</a:t>
+            </a:r>
+            <a:endParaRPr lang="ko-KR" altLang="en-US" dirty="0"/>
+          </a:p>
+        </p:txBody>
+      </p:sp>
+      <p:sp>
+        <p:nvSpPr>
+          <p:cNvPr id="9" name="TextBox 8">
+            <a:extLst>
+              <a:ext uri="{FF2B5EF4-FFF2-40B4-BE49-F238E27FC236}">
+                <a16:creationId xmlns:a16="http://schemas.microsoft.com/office/drawing/2014/main" id="{8FCF39FB-7C33-49CC-8543-F93AC069A2C5}"/>
+              </a:ext>
+            </a:extLst>
+          </p:cNvPr>
+          <p:cNvSpPr txBox="1"/>
+          <p:nvPr/>
+        </p:nvSpPr>
+        <p:spPr>
+          <a:xfrm>
+            <a:off x="2904244" y="2598651"/>
+            <a:ext cx="6668964" cy="369332"/>
+          </a:xfrm>
+          <a:prstGeom prst="rect">
+            <a:avLst/>
+          </a:prstGeom>
+          <a:noFill/>
+        </p:spPr>
+        <p:txBody>
+          <a:bodyPr wrap="square">
+            <a:spAutoFit/>
+          </a:bodyPr>
+          <a:lstStyle/>
+          <a:p>
+            <a:r>
+              <a:rPr lang="ko-KR" altLang="en-US" dirty="0">
+                <a:latin typeface="나눔스퀘어_ac" panose="020B0600000101010101" pitchFamily="50" charset="-127"/>
+                <a:ea typeface="나눔스퀘어_ac" panose="020B0600000101010101" pitchFamily="50" charset="-127"/>
+              </a:rPr>
+              <a:t>https://github.com/shaked6540/YoutubePlaylistDownloader </a:t>
+            </a:r>
+            <a:endParaRPr lang="en-US" altLang="ko-KR" dirty="0">
+              <a:latin typeface="나눔스퀘어_ac" panose="020B0600000101010101" pitchFamily="50" charset="-127"/>
+              <a:ea typeface="나눔스퀘어_ac" panose="020B0600000101010101" pitchFamily="50" charset="-127"/>
+            </a:endParaRPr>
+          </a:p>
+        </p:txBody>
+      </p:sp>
+      <p:sp>
+        <p:nvSpPr>
+          <p:cNvPr id="10" name="직사각형 9">
+            <a:extLst>
+              <a:ext uri="{FF2B5EF4-FFF2-40B4-BE49-F238E27FC236}">
+                <a16:creationId xmlns:a16="http://schemas.microsoft.com/office/drawing/2014/main" id="{33271CC2-F0CD-456E-81EC-AB74221624FA}"/>
+              </a:ext>
+            </a:extLst>
+          </p:cNvPr>
+          <p:cNvSpPr/>
+          <p:nvPr/>
+        </p:nvSpPr>
+        <p:spPr>
+          <a:xfrm>
+            <a:off x="1115970" y="2598651"/>
+            <a:ext cx="1532564" cy="380399"/>
+          </a:xfrm>
+          <a:prstGeom prst="rect">
+            <a:avLst/>
+          </a:prstGeom>
+        </p:spPr>
+        <p:style>
+          <a:lnRef idx="2">
+            <a:schemeClr val="accent1">
+              <a:shade val="50000"/>
+            </a:schemeClr>
+          </a:lnRef>
+          <a:fillRef idx="1">
+            <a:schemeClr val="accent1"/>
+          </a:fillRef>
+          <a:effectRef idx="0">
+            <a:schemeClr val="accent1"/>
+          </a:effectRef>
+          <a:fontRef idx="minor">
+            <a:schemeClr val="lt1"/>
+          </a:fontRef>
+        </p:style>
+        <p:txBody>
+          <a:bodyPr rtlCol="0" anchor="ctr"/>
+          <a:lstStyle/>
+          <a:p>
+            <a:pPr algn="ctr"/>
+            <a:r>
               <a:rPr lang="en-US" altLang="ko-KR" dirty="0"/>
               <a:t>Open Source</a:t>
             </a:r>
@@ -16401,7 +17417,7 @@
 </p:sld>
 </file>
 
-<file path=ppt/slides/slide34.xml><?xml version="1.0" encoding="utf-8"?>
+<file path=ppt/slides/slide37.xml><?xml version="1.0" encoding="utf-8"?>
 <p:sld xmlns:a="http://schemas.openxmlformats.org/drawingml/2006/main" xmlns:r="http://schemas.openxmlformats.org/officeDocument/2006/relationships" xmlns:p="http://schemas.openxmlformats.org/presentationml/2006/main">
   <p:cSld>
     <p:spTree>
@@ -16661,6 +17677,222 @@
           </a:p>
         </p:txBody>
       </p:sp>
+      <p:grpSp>
+        <p:nvGrpSpPr>
+          <p:cNvPr id="38" name="그룹 37">
+            <a:extLst>
+              <a:ext uri="{FF2B5EF4-FFF2-40B4-BE49-F238E27FC236}">
+                <a16:creationId xmlns:a16="http://schemas.microsoft.com/office/drawing/2014/main" id="{B82492A5-BB33-461B-A586-1BF0B22E9641}"/>
+              </a:ext>
+            </a:extLst>
+          </p:cNvPr>
+          <p:cNvGrpSpPr/>
+          <p:nvPr/>
+        </p:nvGrpSpPr>
+        <p:grpSpPr>
+          <a:xfrm>
+            <a:off x="5032517" y="2590862"/>
+            <a:ext cx="737853" cy="369332"/>
+            <a:chOff x="953909" y="1977808"/>
+            <a:chExt cx="737853" cy="369332"/>
+          </a:xfrm>
+        </p:grpSpPr>
+        <p:sp>
+          <p:nvSpPr>
+            <p:cNvPr id="39" name="직사각형 38">
+              <a:extLst>
+                <a:ext uri="{FF2B5EF4-FFF2-40B4-BE49-F238E27FC236}">
+                  <a16:creationId xmlns:a16="http://schemas.microsoft.com/office/drawing/2014/main" id="{72E570F5-EAD0-47D2-98F0-039079C5A342}"/>
+                </a:ext>
+              </a:extLst>
+            </p:cNvPr>
+            <p:cNvSpPr/>
+            <p:nvPr/>
+          </p:nvSpPr>
+          <p:spPr>
+            <a:xfrm>
+              <a:off x="953909" y="2108474"/>
+              <a:ext cx="108000" cy="108000"/>
+            </a:xfrm>
+            <a:prstGeom prst="rect">
+              <a:avLst/>
+            </a:prstGeom>
+            <a:ln w="28575"/>
+          </p:spPr>
+          <p:style>
+            <a:lnRef idx="2">
+              <a:schemeClr val="accent1">
+                <a:shade val="50000"/>
+              </a:schemeClr>
+            </a:lnRef>
+            <a:fillRef idx="1">
+              <a:schemeClr val="accent1"/>
+            </a:fillRef>
+            <a:effectRef idx="0">
+              <a:schemeClr val="accent1"/>
+            </a:effectRef>
+            <a:fontRef idx="minor">
+              <a:schemeClr val="lt1"/>
+            </a:fontRef>
+          </p:style>
+          <p:txBody>
+            <a:bodyPr wrap="none" rtlCol="0" anchor="ctr">
+              <a:noAutofit/>
+            </a:bodyPr>
+            <a:lstStyle/>
+            <a:p>
+              <a:pPr algn="ctr"/>
+              <a:endParaRPr lang="ko-KR" altLang="en-US"/>
+            </a:p>
+          </p:txBody>
+        </p:sp>
+        <p:sp>
+          <p:nvSpPr>
+            <p:cNvPr id="40" name="TextBox 39">
+              <a:extLst>
+                <a:ext uri="{FF2B5EF4-FFF2-40B4-BE49-F238E27FC236}">
+                  <a16:creationId xmlns:a16="http://schemas.microsoft.com/office/drawing/2014/main" id="{313B1F9D-28EE-427B-8B9D-C551FE04F33D}"/>
+                </a:ext>
+              </a:extLst>
+            </p:cNvPr>
+            <p:cNvSpPr txBox="1"/>
+            <p:nvPr/>
+          </p:nvSpPr>
+          <p:spPr>
+            <a:xfrm>
+              <a:off x="1061909" y="1977808"/>
+              <a:ext cx="629853" cy="369332"/>
+            </a:xfrm>
+            <a:prstGeom prst="rect">
+              <a:avLst/>
+            </a:prstGeom>
+            <a:noFill/>
+          </p:spPr>
+          <p:txBody>
+            <a:bodyPr wrap="none" rtlCol="0">
+              <a:noAutofit/>
+            </a:bodyPr>
+            <a:lstStyle/>
+            <a:p>
+              <a:r>
+                <a:rPr lang="ko-KR" altLang="en-US" dirty="0">
+                  <a:latin typeface="나눔스퀘어_ac" panose="020B0600000101010101" pitchFamily="50" charset="-127"/>
+                  <a:ea typeface="나눔스퀘어_ac" panose="020B0600000101010101" pitchFamily="50" charset="-127"/>
+                </a:rPr>
+                <a:t>개발일정</a:t>
+              </a:r>
+            </a:p>
+          </p:txBody>
+        </p:sp>
+      </p:grpSp>
+      <p:grpSp>
+        <p:nvGrpSpPr>
+          <p:cNvPr id="35" name="그룹 34">
+            <a:extLst>
+              <a:ext uri="{FF2B5EF4-FFF2-40B4-BE49-F238E27FC236}">
+                <a16:creationId xmlns:a16="http://schemas.microsoft.com/office/drawing/2014/main" id="{2FEB2203-A73C-4079-8D5F-762AB9D81ACC}"/>
+              </a:ext>
+            </a:extLst>
+          </p:cNvPr>
+          <p:cNvGrpSpPr/>
+          <p:nvPr/>
+        </p:nvGrpSpPr>
+        <p:grpSpPr>
+          <a:xfrm>
+            <a:off x="5032517" y="1845056"/>
+            <a:ext cx="737853" cy="369332"/>
+            <a:chOff x="953909" y="1977808"/>
+            <a:chExt cx="737853" cy="369332"/>
+          </a:xfrm>
+        </p:grpSpPr>
+        <p:sp>
+          <p:nvSpPr>
+            <p:cNvPr id="36" name="직사각형 35">
+              <a:extLst>
+                <a:ext uri="{FF2B5EF4-FFF2-40B4-BE49-F238E27FC236}">
+                  <a16:creationId xmlns:a16="http://schemas.microsoft.com/office/drawing/2014/main" id="{E0791D7A-A8DF-4D41-8C3E-E8B83C453AF4}"/>
+                </a:ext>
+              </a:extLst>
+            </p:cNvPr>
+            <p:cNvSpPr/>
+            <p:nvPr/>
+          </p:nvSpPr>
+          <p:spPr>
+            <a:xfrm>
+              <a:off x="953909" y="2108474"/>
+              <a:ext cx="108000" cy="108000"/>
+            </a:xfrm>
+            <a:prstGeom prst="rect">
+              <a:avLst/>
+            </a:prstGeom>
+            <a:ln w="28575"/>
+          </p:spPr>
+          <p:style>
+            <a:lnRef idx="2">
+              <a:schemeClr val="accent1">
+                <a:shade val="50000"/>
+              </a:schemeClr>
+            </a:lnRef>
+            <a:fillRef idx="1">
+              <a:schemeClr val="accent1"/>
+            </a:fillRef>
+            <a:effectRef idx="0">
+              <a:schemeClr val="accent1"/>
+            </a:effectRef>
+            <a:fontRef idx="minor">
+              <a:schemeClr val="lt1"/>
+            </a:fontRef>
+          </p:style>
+          <p:txBody>
+            <a:bodyPr wrap="none" rtlCol="0" anchor="ctr">
+              <a:noAutofit/>
+            </a:bodyPr>
+            <a:lstStyle/>
+            <a:p>
+              <a:pPr algn="ctr"/>
+              <a:endParaRPr lang="ko-KR" altLang="en-US"/>
+            </a:p>
+          </p:txBody>
+        </p:sp>
+        <p:sp>
+          <p:nvSpPr>
+            <p:cNvPr id="37" name="TextBox 36">
+              <a:extLst>
+                <a:ext uri="{FF2B5EF4-FFF2-40B4-BE49-F238E27FC236}">
+                  <a16:creationId xmlns:a16="http://schemas.microsoft.com/office/drawing/2014/main" id="{FFD417F3-8316-4050-AD11-E208784E25A3}"/>
+                </a:ext>
+              </a:extLst>
+            </p:cNvPr>
+            <p:cNvSpPr txBox="1"/>
+            <p:nvPr/>
+          </p:nvSpPr>
+          <p:spPr>
+            <a:xfrm>
+              <a:off x="1061909" y="1977808"/>
+              <a:ext cx="629853" cy="369332"/>
+            </a:xfrm>
+            <a:prstGeom prst="rect">
+              <a:avLst/>
+            </a:prstGeom>
+            <a:noFill/>
+          </p:spPr>
+          <p:txBody>
+            <a:bodyPr wrap="none" rtlCol="0">
+              <a:noAutofit/>
+            </a:bodyPr>
+            <a:lstStyle/>
+            <a:p>
+              <a:r>
+                <a:rPr lang="ko-KR" altLang="en-US" dirty="0">
+                  <a:latin typeface="나눔스퀘어_ac" panose="020B0600000101010101" pitchFamily="50" charset="-127"/>
+                  <a:ea typeface="나눔스퀘어_ac" panose="020B0600000101010101" pitchFamily="50" charset="-127"/>
+                </a:rPr>
+                <a:t>개발환경</a:t>
+              </a:r>
+            </a:p>
+          </p:txBody>
+        </p:sp>
+      </p:grpSp>
       <p:sp>
         <p:nvSpPr>
           <p:cNvPr id="2" name="TextBox 1">
@@ -16754,7 +17986,7 @@
                   <a:latin typeface="나눔스퀘어_ac" panose="020B0600000101010101" pitchFamily="50" charset="-127"/>
                   <a:ea typeface="나눔스퀘어_ac" panose="020B0600000101010101" pitchFamily="50" charset="-127"/>
                 </a:rPr>
-                <a:t>정리</a:t>
+                <a:t>마무리</a:t>
               </a:r>
             </a:p>
           </p:txBody>
@@ -16907,228 +18139,16 @@
             <a:lstStyle/>
             <a:p>
               <a:r>
-                <a:rPr lang="ko-KR" altLang="en-US" dirty="0">
+                <a:rPr lang="ko-KR" altLang="en-US" dirty="0" err="1">
                   <a:latin typeface="나눔스퀘어_ac" panose="020B0600000101010101" pitchFamily="50" charset="-127"/>
                   <a:ea typeface="나눔스퀘어_ac" panose="020B0600000101010101" pitchFamily="50" charset="-127"/>
                 </a:rPr>
-                <a:t>개발환경</a:t>
+                <a:t>웹구현</a:t>
               </a:r>
-            </a:p>
-          </p:txBody>
-        </p:sp>
-      </p:grpSp>
-      <p:grpSp>
-        <p:nvGrpSpPr>
-          <p:cNvPr id="49" name="그룹 48">
-            <a:extLst>
-              <a:ext uri="{FF2B5EF4-FFF2-40B4-BE49-F238E27FC236}">
-                <a16:creationId xmlns:a16="http://schemas.microsoft.com/office/drawing/2014/main" id="{DFFF2C23-A1E0-4E4D-9809-E7C9E250564F}"/>
-              </a:ext>
-            </a:extLst>
-          </p:cNvPr>
-          <p:cNvGrpSpPr/>
-          <p:nvPr/>
-        </p:nvGrpSpPr>
-        <p:grpSpPr>
-          <a:xfrm>
-            <a:off x="5032517" y="1845056"/>
-            <a:ext cx="737853" cy="369332"/>
-            <a:chOff x="953909" y="1977808"/>
-            <a:chExt cx="737853" cy="369332"/>
-          </a:xfrm>
-        </p:grpSpPr>
-        <p:sp>
-          <p:nvSpPr>
-            <p:cNvPr id="53" name="직사각형 52">
-              <a:extLst>
-                <a:ext uri="{FF2B5EF4-FFF2-40B4-BE49-F238E27FC236}">
-                  <a16:creationId xmlns:a16="http://schemas.microsoft.com/office/drawing/2014/main" id="{119545F2-B3CE-4219-BDC7-E896DF5C1442}"/>
-                </a:ext>
-              </a:extLst>
-            </p:cNvPr>
-            <p:cNvSpPr/>
-            <p:nvPr/>
-          </p:nvSpPr>
-          <p:spPr>
-            <a:xfrm>
-              <a:off x="953909" y="2108474"/>
-              <a:ext cx="108000" cy="108000"/>
-            </a:xfrm>
-            <a:prstGeom prst="rect">
-              <a:avLst/>
-            </a:prstGeom>
-            <a:ln w="28575"/>
-          </p:spPr>
-          <p:style>
-            <a:lnRef idx="2">
-              <a:schemeClr val="accent1">
-                <a:shade val="50000"/>
-              </a:schemeClr>
-            </a:lnRef>
-            <a:fillRef idx="1">
-              <a:schemeClr val="accent1"/>
-            </a:fillRef>
-            <a:effectRef idx="0">
-              <a:schemeClr val="accent1"/>
-            </a:effectRef>
-            <a:fontRef idx="minor">
-              <a:schemeClr val="lt1"/>
-            </a:fontRef>
-          </p:style>
-          <p:txBody>
-            <a:bodyPr wrap="none" rtlCol="0" anchor="ctr">
-              <a:noAutofit/>
-            </a:bodyPr>
-            <a:lstStyle/>
-            <a:p>
-              <a:pPr algn="ctr"/>
-              <a:endParaRPr lang="ko-KR" altLang="en-US"/>
-            </a:p>
-          </p:txBody>
-        </p:sp>
-        <p:sp>
-          <p:nvSpPr>
-            <p:cNvPr id="54" name="TextBox 53">
-              <a:extLst>
-                <a:ext uri="{FF2B5EF4-FFF2-40B4-BE49-F238E27FC236}">
-                  <a16:creationId xmlns:a16="http://schemas.microsoft.com/office/drawing/2014/main" id="{1063579D-F1C6-490A-AE39-AD3392557C74}"/>
-                </a:ext>
-              </a:extLst>
-            </p:cNvPr>
-            <p:cNvSpPr txBox="1"/>
-            <p:nvPr/>
-          </p:nvSpPr>
-          <p:spPr>
-            <a:xfrm>
-              <a:off x="1061909" y="1977808"/>
-              <a:ext cx="629853" cy="369332"/>
-            </a:xfrm>
-            <a:prstGeom prst="rect">
-              <a:avLst/>
-            </a:prstGeom>
-            <a:noFill/>
-          </p:spPr>
-          <p:txBody>
-            <a:bodyPr wrap="none" rtlCol="0">
-              <a:noAutofit/>
-            </a:bodyPr>
-            <a:lstStyle/>
-            <a:p>
-              <a:r>
-                <a:rPr lang="ko-KR" altLang="en-US" dirty="0">
-                  <a:latin typeface="나눔스퀘어_ac" panose="020B0600000101010101" pitchFamily="50" charset="-127"/>
-                  <a:ea typeface="나눔스퀘어_ac" panose="020B0600000101010101" pitchFamily="50" charset="-127"/>
-                </a:rPr>
-                <a:t>개발일정</a:t>
-              </a:r>
-            </a:p>
-          </p:txBody>
-        </p:sp>
-      </p:grpSp>
-      <p:grpSp>
-        <p:nvGrpSpPr>
-          <p:cNvPr id="7" name="그룹 6">
-            <a:extLst>
-              <a:ext uri="{FF2B5EF4-FFF2-40B4-BE49-F238E27FC236}">
-                <a16:creationId xmlns:a16="http://schemas.microsoft.com/office/drawing/2014/main" id="{013124D0-9C6B-4151-AD9D-035EE853EE4D}"/>
-              </a:ext>
-            </a:extLst>
-          </p:cNvPr>
-          <p:cNvGrpSpPr/>
-          <p:nvPr/>
-        </p:nvGrpSpPr>
-        <p:grpSpPr>
-          <a:xfrm>
-            <a:off x="5032517" y="2590862"/>
-            <a:ext cx="737853" cy="369332"/>
-            <a:chOff x="5032517" y="1796843"/>
-            <a:chExt cx="737853" cy="369332"/>
-          </a:xfrm>
-        </p:grpSpPr>
-        <p:sp>
-          <p:nvSpPr>
-            <p:cNvPr id="51" name="직사각형 50">
-              <a:extLst>
-                <a:ext uri="{FF2B5EF4-FFF2-40B4-BE49-F238E27FC236}">
-                  <a16:creationId xmlns:a16="http://schemas.microsoft.com/office/drawing/2014/main" id="{657C38F9-0682-4F68-96F5-51045FBD5234}"/>
-                </a:ext>
-              </a:extLst>
-            </p:cNvPr>
-            <p:cNvSpPr/>
-            <p:nvPr/>
-          </p:nvSpPr>
-          <p:spPr>
-            <a:xfrm>
-              <a:off x="5032517" y="1927509"/>
-              <a:ext cx="108000" cy="108000"/>
-            </a:xfrm>
-            <a:prstGeom prst="rect">
-              <a:avLst/>
-            </a:prstGeom>
-            <a:ln w="28575"/>
-          </p:spPr>
-          <p:style>
-            <a:lnRef idx="2">
-              <a:schemeClr val="accent1">
-                <a:shade val="50000"/>
-              </a:schemeClr>
-            </a:lnRef>
-            <a:fillRef idx="1">
-              <a:schemeClr val="accent1"/>
-            </a:fillRef>
-            <a:effectRef idx="0">
-              <a:schemeClr val="accent1"/>
-            </a:effectRef>
-            <a:fontRef idx="minor">
-              <a:schemeClr val="lt1"/>
-            </a:fontRef>
-          </p:style>
-          <p:txBody>
-            <a:bodyPr wrap="none" rtlCol="0" anchor="ctr">
-              <a:noAutofit/>
-            </a:bodyPr>
-            <a:lstStyle/>
-            <a:p>
-              <a:pPr algn="ctr"/>
-              <a:endParaRPr lang="ko-KR" altLang="en-US"/>
-            </a:p>
-          </p:txBody>
-        </p:sp>
-        <p:sp>
-          <p:nvSpPr>
-            <p:cNvPr id="52" name="TextBox 51">
-              <a:extLst>
-                <a:ext uri="{FF2B5EF4-FFF2-40B4-BE49-F238E27FC236}">
-                  <a16:creationId xmlns:a16="http://schemas.microsoft.com/office/drawing/2014/main" id="{8419313A-E3CE-4CCC-BEE8-9D4D24F84E98}"/>
-                </a:ext>
-              </a:extLst>
-            </p:cNvPr>
-            <p:cNvSpPr txBox="1"/>
-            <p:nvPr/>
-          </p:nvSpPr>
-          <p:spPr>
-            <a:xfrm>
-              <a:off x="5140517" y="1796843"/>
-              <a:ext cx="629853" cy="369332"/>
-            </a:xfrm>
-            <a:prstGeom prst="rect">
-              <a:avLst/>
-            </a:prstGeom>
-            <a:noFill/>
-          </p:spPr>
-          <p:txBody>
-            <a:bodyPr wrap="none" rtlCol="0">
-              <a:noAutofit/>
-            </a:bodyPr>
-            <a:lstStyle/>
-            <a:p>
-              <a:r>
-                <a:rPr lang="ko-KR" altLang="en-US" dirty="0">
-                  <a:latin typeface="나눔스퀘어_ac" panose="020B0600000101010101" pitchFamily="50" charset="-127"/>
-                  <a:ea typeface="나눔스퀘어_ac" panose="020B0600000101010101" pitchFamily="50" charset="-127"/>
-                </a:rPr>
-                <a:t>참조</a:t>
-              </a:r>
+              <a:endParaRPr lang="ko-KR" altLang="en-US" dirty="0">
+                <a:latin typeface="나눔스퀘어_ac" panose="020B0600000101010101" pitchFamily="50" charset="-127"/>
+                <a:ea typeface="나눔스퀘어_ac" panose="020B0600000101010101" pitchFamily="50" charset="-127"/>
+              </a:endParaRPr>
             </a:p>
           </p:txBody>
         </p:sp>
@@ -17472,7 +18492,7 @@
                   <a:latin typeface="나눔스퀘어_ac" panose="020B0600000101010101" pitchFamily="50" charset="-127"/>
                   <a:ea typeface="나눔스퀘어_ac" panose="020B0600000101010101" pitchFamily="50" charset="-127"/>
                 </a:rPr>
-                <a:t>정리</a:t>
+                <a:t>마무리</a:t>
               </a:r>
             </a:p>
           </p:txBody>
@@ -17523,6 +18543,114 @@
             <a:p>
               <a:pPr algn="ctr"/>
               <a:endParaRPr lang="ko-KR" altLang="en-US"/>
+            </a:p>
+          </p:txBody>
+        </p:sp>
+      </p:grpSp>
+      <p:grpSp>
+        <p:nvGrpSpPr>
+          <p:cNvPr id="41" name="그룹 40">
+            <a:extLst>
+              <a:ext uri="{FF2B5EF4-FFF2-40B4-BE49-F238E27FC236}">
+                <a16:creationId xmlns:a16="http://schemas.microsoft.com/office/drawing/2014/main" id="{2476BFC0-0248-4890-9884-1BABEFE355B5}"/>
+              </a:ext>
+            </a:extLst>
+          </p:cNvPr>
+          <p:cNvGrpSpPr/>
+          <p:nvPr/>
+        </p:nvGrpSpPr>
+        <p:grpSpPr>
+          <a:xfrm>
+            <a:off x="5032517" y="3336668"/>
+            <a:ext cx="737853" cy="369332"/>
+            <a:chOff x="5032517" y="1796843"/>
+            <a:chExt cx="737853" cy="369332"/>
+          </a:xfrm>
+        </p:grpSpPr>
+        <p:sp>
+          <p:nvSpPr>
+            <p:cNvPr id="42" name="직사각형 41">
+              <a:extLst>
+                <a:ext uri="{FF2B5EF4-FFF2-40B4-BE49-F238E27FC236}">
+                  <a16:creationId xmlns:a16="http://schemas.microsoft.com/office/drawing/2014/main" id="{B41065E8-A211-4C6D-AEA0-BE4A707FF341}"/>
+                </a:ext>
+              </a:extLst>
+            </p:cNvPr>
+            <p:cNvSpPr/>
+            <p:nvPr/>
+          </p:nvSpPr>
+          <p:spPr>
+            <a:xfrm>
+              <a:off x="5032517" y="1927509"/>
+              <a:ext cx="108000" cy="108000"/>
+            </a:xfrm>
+            <a:prstGeom prst="rect">
+              <a:avLst/>
+            </a:prstGeom>
+            <a:ln w="28575"/>
+          </p:spPr>
+          <p:style>
+            <a:lnRef idx="2">
+              <a:schemeClr val="accent1">
+                <a:shade val="50000"/>
+              </a:schemeClr>
+            </a:lnRef>
+            <a:fillRef idx="1">
+              <a:schemeClr val="accent1"/>
+            </a:fillRef>
+            <a:effectRef idx="0">
+              <a:schemeClr val="accent1"/>
+            </a:effectRef>
+            <a:fontRef idx="minor">
+              <a:schemeClr val="lt1"/>
+            </a:fontRef>
+          </p:style>
+          <p:txBody>
+            <a:bodyPr wrap="none" rtlCol="0" anchor="ctr">
+              <a:noAutofit/>
+            </a:bodyPr>
+            <a:lstStyle/>
+            <a:p>
+              <a:pPr algn="ctr"/>
+              <a:endParaRPr lang="ko-KR" altLang="en-US"/>
+            </a:p>
+          </p:txBody>
+        </p:sp>
+        <p:sp>
+          <p:nvSpPr>
+            <p:cNvPr id="43" name="TextBox 42">
+              <a:extLst>
+                <a:ext uri="{FF2B5EF4-FFF2-40B4-BE49-F238E27FC236}">
+                  <a16:creationId xmlns:a16="http://schemas.microsoft.com/office/drawing/2014/main" id="{22EB4D1C-8268-45F0-A295-5180D0684708}"/>
+                </a:ext>
+              </a:extLst>
+            </p:cNvPr>
+            <p:cNvSpPr txBox="1"/>
+            <p:nvPr/>
+          </p:nvSpPr>
+          <p:spPr>
+            <a:xfrm>
+              <a:off x="5140517" y="1796843"/>
+              <a:ext cx="629853" cy="369332"/>
+            </a:xfrm>
+            <a:prstGeom prst="rect">
+              <a:avLst/>
+            </a:prstGeom>
+            <a:noFill/>
+          </p:spPr>
+          <p:txBody>
+            <a:bodyPr wrap="none" rtlCol="0">
+              <a:noAutofit/>
+            </a:bodyPr>
+            <a:lstStyle/>
+            <a:p>
+              <a:r>
+                <a:rPr lang="ko-KR" altLang="en-US" dirty="0">
+                  <a:latin typeface="나눔스퀘어_ac" panose="020B0600000101010101" pitchFamily="50" charset="-127"/>
+                  <a:ea typeface="나눔스퀘어_ac" panose="020B0600000101010101" pitchFamily="50" charset="-127"/>
+                </a:rPr>
+                <a:t>참조</a:t>
+              </a:r>
             </a:p>
           </p:txBody>
         </p:sp>
